--- a/updated_presentation.pptx
+++ b/updated_presentation.pptx
@@ -899,52 +899,14 @@
       </p:pic>
       <p:sp>
         <p:nvSpPr>
-          <p:cNvPr id="6" name="Text 1"/>
-          <p:cNvSpPr/>
-          <p:nvPr/>
-        </p:nvSpPr>
-        <p:spPr>
-          <a:xfrm>
-            <a:off x="358191" y="439455"/>
-            <a:ext cx="8519109" cy="1332791"/>
-          </a:xfrm>
-          <a:prstGeom prst="rect">
-            <a:avLst/>
-          </a:prstGeom>
-          <a:noFill/>
-          <a:ln/>
-        </p:spPr>
-        <p:txBody>
-          <a:bodyPr wrap="square" rtlCol="0" anchor="t"/>
-          <a:lstStyle/>
-          <a:p>
-            <a:pPr marL="0" indent="0">
-              <a:lnSpc>
-                <a:spcPts val="8382"/>
-              </a:lnSpc>
-              <a:buNone/>
-            </a:pPr>
-            <a:r>
-              <a:rPr b="1" sz="4000">
-                <a:solidFill>
-                  <a:srgbClr val="FFFFFF"/>
-                </a:solidFill>
-              </a:rPr>
-              <a:t>LLM Agents: The Ultimate Guide</a:t>
-            </a:r>
-          </a:p>
-        </p:txBody>
-      </p:sp>
-      <p:sp>
-        <p:nvSpPr>
           <p:cNvPr id="7" name="Text 2"/>
           <p:cNvSpPr/>
           <p:nvPr/>
         </p:nvSpPr>
         <p:spPr>
           <a:xfrm>
-            <a:off x="358191" y="3364983"/>
-            <a:ext cx="4471993" cy="4401762"/>
+            <a:off x="473336" y="3364983"/>
+            <a:ext cx="4216998" cy="4401762"/>
           </a:xfrm>
           <a:prstGeom prst="rect">
             <a:avLst/>
@@ -976,7 +938,7 @@
                   <a:srgbClr val="FFFFFF"/>
                 </a:solidFill>
               </a:rPr>
-              <a:t>When faced with complex problems that lack simple solutions, we often need to follow a series of steps, analyze information thoroughly, and learn from past experiences.  LLM agents are designed to handle precisely these scenarios in language model applications.  They combine meticulous data analysis, strategic planning, data retrieval, and the ability to learn from previous actions to address complex challenges.  In this presentation, we'll delve into the world of LLM agents, exploring their advantages, capabilities, real-world applications, and the obstacles they encounter.</a:t>
+              <a:t>Phi-3 is a family of open artificial intelligence models developed by Microsoft. These models have quickly gained popularity for being the most capable and cost-effective small language models (SLMs) available. The Phi-3 models, including Phi-3-mini, are cost-effective and outperform models of the same size and even the next size across various benchmarks of language, reasoning, coding, and math. Let’s discuss how these models in detail.</a:t>
             </a:r>
             <a:endParaRPr kumimoji="0" lang="en-US" altLang="en-US" i="0" u="none" strike="noStrike" cap="none" normalizeH="0" baseline="0" dirty="0">
               <a:ln>
@@ -1035,7 +997,7 @@
         </p:nvSpPr>
         <p:spPr>
           <a:xfrm>
-            <a:off x="358191" y="2235101"/>
+            <a:off x="473336" y="1975837"/>
             <a:ext cx="3084256" cy="369332"/>
           </a:xfrm>
           <a:prstGeom prst="rect">
@@ -1055,13 +1017,52 @@
                   <a:srgbClr val="FFFFFF"/>
                 </a:solidFill>
               </a:rPr>
-              <a:t>Understanding LLM Agents</a:t>
+              <a:t>Microsoft's Phi-3: A Game Changer in SLMs</a:t>
             </a:r>
             <a:endParaRPr lang="en-IN" dirty="0">
               <a:solidFill>
                 <a:schemeClr val="bg1"/>
               </a:solidFill>
             </a:endParaRPr>
+          </a:p>
+        </p:txBody>
+      </p:sp>
+      <p:sp>
+        <p:nvSpPr>
+          <p:cNvPr id="8" name="TextBox 7">
+            <a:extLst>
+              <a:ext uri="{FF2B5EF4-FFF2-40B4-BE49-F238E27FC236}">
+                <a16:creationId xmlns:a16="http://schemas.microsoft.com/office/drawing/2014/main" id="{713CEF38-C342-6CD2-5526-A63CAB1F5DA0}"/>
+              </a:ext>
+            </a:extLst>
+          </p:cNvPr>
+          <p:cNvSpPr txBox="1"/>
+          <p:nvPr/>
+        </p:nvSpPr>
+        <p:spPr>
+          <a:xfrm>
+            <a:off x="473336" y="591671"/>
+            <a:ext cx="8896575" cy="369332"/>
+          </a:xfrm>
+          <a:prstGeom prst="rect">
+            <a:avLst/>
+          </a:prstGeom>
+          <a:noFill/>
+        </p:spPr>
+        <p:txBody>
+          <a:bodyPr wrap="square" rtlCol="0">
+            <a:spAutoFit/>
+          </a:bodyPr>
+          <a:lstStyle/>
+          <a:p>
+            <a:r>
+              <a:rPr b="1" sz="4000">
+                <a:solidFill>
+                  <a:srgbClr val="FFFFFF"/>
+                </a:solidFill>
+              </a:rPr>
+              <a:t>Phi-3: The Revolution</a:t>
+            </a:r>
           </a:p>
         </p:txBody>
       </p:sp>
@@ -1148,8 +1149,8 @@
         </p:nvSpPr>
         <p:spPr>
           <a:xfrm>
-            <a:off x="863798" y="262294"/>
-            <a:ext cx="8382953" cy="771287"/>
+            <a:off x="457022" y="262294"/>
+            <a:ext cx="8789730" cy="771287"/>
           </a:xfrm>
           <a:prstGeom prst="rect">
             <a:avLst/>
@@ -1173,7 +1174,7 @@
                   <a:srgbClr val="FFFFFF"/>
                 </a:solidFill>
               </a:rPr>
-              <a:t>What are LLM Agents?</a:t>
+              <a:t>Understanding Small Language Models (SLMs)</a:t>
             </a:r>
           </a:p>
         </p:txBody>
@@ -1186,8 +1187,8 @@
         </p:nvSpPr>
         <p:spPr>
           <a:xfrm>
-            <a:off x="863798" y="1172409"/>
-            <a:ext cx="12902803" cy="394811"/>
+            <a:off x="457020" y="1172409"/>
+            <a:ext cx="13309581" cy="394811"/>
           </a:xfrm>
           <a:prstGeom prst="rect">
             <a:avLst/>
@@ -1211,7 +1212,7 @@
                   <a:srgbClr val="FFFFFF"/>
                 </a:solidFill>
               </a:rPr>
-              <a:t>The Power of Sequential Reasoning</a:t>
+              <a:t>Demystifying SLMs</a:t>
             </a:r>
             <a:endParaRPr lang="en-US" sz="1944" dirty="0">
               <a:solidFill>
@@ -1229,8 +1230,8 @@
         </p:nvSpPr>
         <p:spPr>
           <a:xfrm>
-            <a:off x="457021" y="2717808"/>
-            <a:ext cx="3085386" cy="385524"/>
+            <a:off x="457022" y="1872971"/>
+            <a:ext cx="4523770" cy="385524"/>
           </a:xfrm>
           <a:prstGeom prst="rect">
             <a:avLst/>
@@ -1254,7 +1255,7 @@
                   <a:srgbClr val="FFFFFF"/>
                 </a:solidFill>
               </a:rPr>
-              <a:t>LLM agents are sophisticated AI systems</a:t>
+              <a:t>What are SLMs?</a:t>
             </a:r>
           </a:p>
         </p:txBody>
@@ -1267,8 +1268,8 @@
         </p:nvSpPr>
         <p:spPr>
           <a:xfrm>
-            <a:off x="457020" y="3253671"/>
-            <a:ext cx="4356997" cy="1051631"/>
+            <a:off x="457022" y="2376508"/>
+            <a:ext cx="4523771" cy="1991098"/>
           </a:xfrm>
           <a:prstGeom prst="rect">
             <a:avLst/>
@@ -1292,8 +1293,47 @@
                   <a:srgbClr val="FFFFFF"/>
                 </a:solidFill>
               </a:rPr>
-              <a:t>designed to generate intricate text that requires sequential reasoning. They can think ahead, retain past conversations, and utilize various tools to tailor their responses based on the situation and the desired style.</a:t>
+              <a:t>Small Language Models (SLMs) are scaled-down versions of large language models (LLMs) like OpenAI’s GPT, Meta’s  LLama-3, Mistral 7B, etc. They are designed to be lightweight and efficient for simpler tasks. These models are trained on a large corpus of data and learn to predict the next word in a sentence, generating coherent sentences.</a:t>
             </a:r>
+          </a:p>
+          <a:p>
+            <a:pPr marL="0" indent="0">
+              <a:lnSpc>
+                <a:spcPts val="3110"/>
+              </a:lnSpc>
+              <a:buNone/>
+            </a:pPr>
+            <a:endParaRPr lang="en-US" sz="1944" dirty="0">
+              <a:solidFill>
+                <a:schemeClr val="bg1"/>
+              </a:solidFill>
+            </a:endParaRPr>
+          </a:p>
+          <a:p>
+            <a:pPr marL="0" indent="0">
+              <a:lnSpc>
+                <a:spcPts val="3110"/>
+              </a:lnSpc>
+              <a:buNone/>
+            </a:pPr>
+            <a:endParaRPr lang="en-US" sz="1944" dirty="0">
+              <a:solidFill>
+                <a:schemeClr val="bg1"/>
+              </a:solidFill>
+            </a:endParaRPr>
+          </a:p>
+          <a:p>
+            <a:pPr marL="0" indent="0">
+              <a:lnSpc>
+                <a:spcPts val="3110"/>
+              </a:lnSpc>
+              <a:buNone/>
+            </a:pPr>
+            <a:endParaRPr lang="en-US" sz="1944" dirty="0">
+              <a:solidFill>
+                <a:schemeClr val="bg1"/>
+              </a:solidFill>
+            </a:endParaRPr>
           </a:p>
         </p:txBody>
       </p:sp>
@@ -1311,8 +1351,8 @@
         </p:nvSpPr>
         <p:spPr>
           <a:xfrm>
-            <a:off x="457021" y="5313748"/>
-            <a:ext cx="3085386" cy="385524"/>
+            <a:off x="457022" y="4909800"/>
+            <a:ext cx="4523771" cy="385524"/>
           </a:xfrm>
           <a:prstGeom prst="rect">
             <a:avLst/>
@@ -1336,7 +1376,7 @@
                   <a:srgbClr val="FFFFFF"/>
                 </a:solidFill>
               </a:rPr>
-              <a:t>Beyond Simple Information Retrieval</a:t>
+              <a:t>Applications of SLMs</a:t>
             </a:r>
           </a:p>
         </p:txBody>
@@ -1355,8 +1395,8 @@
         </p:nvSpPr>
         <p:spPr>
           <a:xfrm>
-            <a:off x="457020" y="5849611"/>
-            <a:ext cx="4356997" cy="1051631"/>
+            <a:off x="457022" y="5485537"/>
+            <a:ext cx="4523771" cy="1051631"/>
           </a:xfrm>
           <a:prstGeom prst="rect">
             <a:avLst/>
@@ -1380,7 +1420,7 @@
                   <a:srgbClr val="FFFFFF"/>
                 </a:solidFill>
               </a:rPr>
-              <a:t>While basic LLMs with retrieval augmented generation (RAG) systems can access information from databases, LLM agents excel in handling complex scenarios that demand deeper analysis, understanding of context, and strategic planning.</a:t>
+              <a:t>SLMs are used in various scenarios where resources are limited or real-time inference is necessary. They find applications in mobile devices, IoT devices, edge computing, and scenarios with low-latency interactions.</a:t>
             </a:r>
           </a:p>
         </p:txBody>
@@ -1399,8 +1439,8 @@
         </p:nvSpPr>
         <p:spPr>
           <a:xfrm>
-            <a:off x="9852514" y="2717808"/>
-            <a:ext cx="3085386" cy="385524"/>
+            <a:off x="9852514" y="1872971"/>
+            <a:ext cx="4356996" cy="385524"/>
           </a:xfrm>
           <a:prstGeom prst="rect">
             <a:avLst/>
@@ -1424,7 +1464,7 @@
                   <a:srgbClr val="FFFFFF"/>
                 </a:solidFill>
               </a:rPr>
-              <a:t>Structured Problem Decomposition</a:t>
+              <a:t>Advantages of SLMs</a:t>
             </a:r>
           </a:p>
         </p:txBody>
@@ -1443,8 +1483,8 @@
         </p:nvSpPr>
         <p:spPr>
           <a:xfrm>
-            <a:off x="9852513" y="3253671"/>
-            <a:ext cx="4356997" cy="1051631"/>
+            <a:off x="9852514" y="2413696"/>
+            <a:ext cx="4356997" cy="1891314"/>
           </a:xfrm>
           <a:prstGeom prst="rect">
             <a:avLst/>
@@ -1468,7 +1508,7 @@
                   <a:srgbClr val="FFFFFF"/>
                 </a:solidFill>
               </a:rPr>
-              <a:t>LLM agents break down complex tasks into manageable subtasks. This involves accessing relevant data, establishing historical context, summarizing information, and forecasting future trends.</a:t>
+              <a:t>These lightweight AI models sacrifice some performance and capabilities compared to LLMs but still provide valuable language understanding and generation capabilities. They allow for more widespread deployment of natural language processing capabilities in resource-constrained environments.</a:t>
             </a:r>
           </a:p>
         </p:txBody>
@@ -1487,8 +1527,8 @@
         </p:nvSpPr>
         <p:spPr>
           <a:xfrm>
-            <a:off x="9852514" y="5295324"/>
-            <a:ext cx="3085386" cy="385524"/>
+            <a:off x="9852515" y="4370168"/>
+            <a:ext cx="4356996" cy="385524"/>
           </a:xfrm>
           <a:prstGeom prst="rect">
             <a:avLst/>
@@ -1512,7 +1552,7 @@
                   <a:srgbClr val="FFFFFF"/>
                 </a:solidFill>
               </a:rPr>
-              <a:t>Essential Components of LLM Agents</a:t>
+              <a:t>Microsoft's Phi-3: The SLM Revolution</a:t>
             </a:r>
           </a:p>
         </p:txBody>
@@ -1531,8 +1571,8 @@
         </p:nvSpPr>
         <p:spPr>
           <a:xfrm>
-            <a:off x="9852513" y="5831187"/>
-            <a:ext cx="4356997" cy="1051631"/>
+            <a:off x="9852515" y="4909800"/>
+            <a:ext cx="4356997" cy="2118714"/>
           </a:xfrm>
           <a:prstGeom prst="rect">
             <a:avLst/>
@@ -1556,7 +1596,7 @@
                   <a:srgbClr val="FFFFFF"/>
                 </a:solidFill>
               </a:rPr>
-              <a:t>To accomplish these subtasks, LLM agents rely on a structured plan, a reliable memory to track progress, and access to necessary tools. These components form the foundation of their workflow.</a:t>
+              <a:t>Microsoft Phi-3 is a prime example of an SLM pushing the boundaries of what’s possible with these models. It offers superior performance across various benchmarks while being cost-effective. With an impressive 3.8 billion parameters, Phi-3 represents a significant milestone in compact language modeling technology.</a:t>
             </a:r>
           </a:p>
         </p:txBody>
@@ -1577,8 +1617,8 @@
         </p:blipFill>
         <p:spPr>
           <a:xfrm>
-            <a:off x="5906693" y="1758840"/>
-            <a:ext cx="2253320" cy="1754326"/>
+            <a:off x="5799117" y="1676946"/>
+            <a:ext cx="2064723" cy="1754326"/>
           </a:xfrm>
           <a:prstGeom prst="rect">
             <a:avLst/>
@@ -1693,7 +1733,7 @@
                   <a:srgbClr val="FFFFFF"/>
                 </a:solidFill>
               </a:rPr>
-              <a:t>LLM Agent Components</a:t>
+              <a:t>Phi-3: Performance and Capabilities</a:t>
             </a:r>
           </a:p>
         </p:txBody>
@@ -1731,7 +1771,7 @@
                   <a:srgbClr val="FFFFFF"/>
                 </a:solidFill>
               </a:rPr>
-              <a:t>A Deeper Look at the Architecture</a:t>
+              <a:t>Benchmarking and Performance Evaluation</a:t>
             </a:r>
             <a:endParaRPr lang="en-US" sz="1768" dirty="0">
               <a:solidFill>
@@ -1749,7 +1789,7 @@
         </p:nvSpPr>
         <p:spPr>
           <a:xfrm>
-            <a:off x="635675" y="2888615"/>
+            <a:off x="635675" y="2413621"/>
             <a:ext cx="505301" cy="505301"/>
           </a:xfrm>
           <a:prstGeom prst="roundRect">
@@ -1780,7 +1820,7 @@
         </p:nvSpPr>
         <p:spPr>
           <a:xfrm>
-            <a:off x="810816" y="2972792"/>
+            <a:off x="810816" y="2497798"/>
             <a:ext cx="154900" cy="336828"/>
           </a:xfrm>
           <a:prstGeom prst="rect">
@@ -1826,7 +1866,7 @@
         </p:nvSpPr>
         <p:spPr>
           <a:xfrm>
-            <a:off x="1365528" y="2888615"/>
+            <a:off x="1365528" y="2413621"/>
             <a:ext cx="2807256" cy="350877"/>
           </a:xfrm>
           <a:prstGeom prst="rect">
@@ -1851,7 +1891,7 @@
                   <a:srgbClr val="FFFFFF"/>
                 </a:solidFill>
               </a:rPr>
-              <a:t>Agent/Brain</a:t>
+              <a:t>Performance Evaluation</a:t>
             </a:r>
           </a:p>
         </p:txBody>
@@ -1864,8 +1904,8 @@
         </p:nvSpPr>
         <p:spPr>
           <a:xfrm>
-            <a:off x="1365528" y="3374151"/>
-            <a:ext cx="3473291" cy="1796058"/>
+            <a:off x="1365528" y="2899157"/>
+            <a:ext cx="3798143" cy="1796058"/>
           </a:xfrm>
           <a:prstGeom prst="rect">
             <a:avLst/>
@@ -1889,7 +1929,7 @@
                   <a:srgbClr val="FFFFFF"/>
                 </a:solidFill>
               </a:rPr>
-              <a:t>The core of an LLM agent is a language model trained on vast amounts of data. It processes and understands language, interpreting prompts to determine desired responses, tools to use, and goals to achieve.</a:t>
+              <a:t>Phi-3's performance is assessed through rigorous evaluation against academic benchmarks and internal testing. Despite its smaller size, Phi-3 demonstrates impressive results, achieving 69% on the MMLU benchmark and 8.38 on the MT-bench metric.</a:t>
             </a:r>
           </a:p>
         </p:txBody>
@@ -1902,7 +1942,7 @@
         </p:nvSpPr>
         <p:spPr>
           <a:xfrm>
-            <a:off x="635675" y="5566015"/>
+            <a:off x="635675" y="5220799"/>
             <a:ext cx="505301" cy="505301"/>
           </a:xfrm>
           <a:prstGeom prst="roundRect">
@@ -1933,7 +1973,7 @@
         </p:nvSpPr>
         <p:spPr>
           <a:xfrm>
-            <a:off x="793671" y="5650192"/>
+            <a:off x="793671" y="5304976"/>
             <a:ext cx="189309" cy="336828"/>
           </a:xfrm>
           <a:prstGeom prst="rect">
@@ -1979,7 +2019,7 @@
         </p:nvSpPr>
         <p:spPr>
           <a:xfrm>
-            <a:off x="1365528" y="5566015"/>
+            <a:off x="1365528" y="5220799"/>
             <a:ext cx="2807256" cy="350877"/>
           </a:xfrm>
           <a:prstGeom prst="rect">
@@ -2004,7 +2044,7 @@
                   <a:srgbClr val="FFFFFF"/>
                 </a:solidFill>
               </a:rPr>
-              <a:t>Memory</a:t>
+              <a:t>Phi-3 vs. GPT-3.5</a:t>
             </a:r>
           </a:p>
         </p:txBody>
@@ -2017,8 +2057,8 @@
         </p:nvSpPr>
         <p:spPr>
           <a:xfrm>
-            <a:off x="1365528" y="6051551"/>
-            <a:ext cx="3473291" cy="1436846"/>
+            <a:off x="1365528" y="5706334"/>
+            <a:ext cx="4142387" cy="1796057"/>
           </a:xfrm>
           <a:prstGeom prst="rect">
             <a:avLst/>
@@ -2042,7 +2082,7 @@
                   <a:srgbClr val="FFFFFF"/>
                 </a:solidFill>
               </a:rPr>
-              <a:t>LLM agents utilize both short-term and long-term memory. Short-term memory acts as a temporary notepad, storing information during a conversation. Long-term memory functions as a diary, retaining insights from past interactions, allowing the agent to learn and adapt over time.</a:t>
+              <a:t>When comparing the performance of Phi-3 with GPT-3.5, a Large Language Model (LLM), it's important to consider the tasks at hand. For many language, reasoning, coding, and math benchmarks, Phi-3 models have been shown to outperform models of the same size and those of the next size up, including GPT-3.5.</a:t>
             </a:r>
           </a:p>
         </p:txBody>
@@ -2055,7 +2095,7 @@
         </p:nvSpPr>
         <p:spPr>
           <a:xfrm>
-            <a:off x="9987796" y="4360288"/>
+            <a:off x="9876493" y="3749884"/>
             <a:ext cx="505301" cy="505301"/>
           </a:xfrm>
           <a:prstGeom prst="roundRect">
@@ -2086,7 +2126,7 @@
         </p:nvSpPr>
         <p:spPr>
           <a:xfrm>
-            <a:off x="10146625" y="4444465"/>
+            <a:off x="10035322" y="3834061"/>
             <a:ext cx="187643" cy="336828"/>
           </a:xfrm>
           <a:prstGeom prst="rect">
@@ -2132,7 +2172,7 @@
         </p:nvSpPr>
         <p:spPr>
           <a:xfrm>
-            <a:off x="10717649" y="4360288"/>
+            <a:off x="10606346" y="3749884"/>
             <a:ext cx="2881789" cy="350877"/>
           </a:xfrm>
           <a:prstGeom prst="rect">
@@ -2157,7 +2197,7 @@
                   <a:srgbClr val="FFFFFF"/>
                 </a:solidFill>
               </a:rPr>
-              <a:t>Planning</a:t>
+              <a:t>Architecture and Design</a:t>
             </a:r>
           </a:p>
         </p:txBody>
@@ -2170,8 +2210,8 @@
         </p:nvSpPr>
         <p:spPr>
           <a:xfrm>
-            <a:off x="10717649" y="4845824"/>
-            <a:ext cx="3473291" cy="1436846"/>
+            <a:off x="10606346" y="4235420"/>
+            <a:ext cx="3473291" cy="2652256"/>
           </a:xfrm>
           <a:prstGeom prst="rect">
             <a:avLst/>
@@ -2195,7 +2235,7 @@
                   <a:srgbClr val="FFFFFF"/>
                 </a:solidFill>
               </a:rPr>
-              <a:t>Planning enables LLM agents to reason logically, break down complex tasks into smaller sub-tasks, and formulate strategic plans. They can refine their plans based on feedback, ensuring they remain relevant and effective in real-world scenarios.</a:t>
+              <a:t>Phi-3 is a transformer decoder architecture with a default context length of 4K, ensuring efficient processing of input data while maintaining context awareness. Phi-3 also offers a long context version, Phi-3-mini-128K, extending context length to 128K for handling tasks requiring broader context comprehension. With 32 heads and 32 layers, Phi-3 balances model complexity with computational efficiency, making it suitable for deployment on mobile devices.</a:t>
             </a:r>
           </a:p>
         </p:txBody>
@@ -2216,7 +2256,7 @@
         </p:blipFill>
         <p:spPr>
           <a:xfrm>
-            <a:off x="9563549" y="1312433"/>
+            <a:off x="9876493" y="524392"/>
             <a:ext cx="2807256" cy="2585323"/>
           </a:xfrm>
           <a:prstGeom prst="rect">

--- a/updated_presentation.pptx
+++ b/updated_presentation.pptx
@@ -938,7 +938,7 @@
                   <a:srgbClr val="FFFFFF"/>
                 </a:solidFill>
               </a:rPr>
-              <a:t>Phi-3 is a family of open artificial intelligence models developed by Microsoft. These models have quickly gained popularity for being the most capable and cost-effective small language models (SLMs) available. The Phi-3 models, including Phi-3-mini, are cost-effective and outperform models of the same size and even the next size across various benchmarks of language, reasoning, coding, and math. Let’s discuss how these models in detail.</a:t>
+              <a:t>Meta introduces Llama 3, the next generation of its open-source large language model (LLM). This release features pretrained and instruction-fine-tuned models with 8B and 70B parameters, demonstrating state-of-the-art performance across benchmarks.  Llama 3 is available on various platforms, including AWS, Databricks, Google Cloud, and Hugging Face, with support from AMD, AWS, Dell, Intel, NVIDIA, and Qualcomm. Meta emphasizes responsible development and deployment, offering tools like Llama Guard 2, Code Shield, and CyberSec Eval 2 for safety. Future plans include introducing new capabilities, longer context windows, additional model sizes, and enhanced performance.</a:t>
             </a:r>
             <a:endParaRPr kumimoji="0" lang="en-US" altLang="en-US" i="0" u="none" strike="noStrike" cap="none" normalizeH="0" baseline="0" dirty="0">
               <a:ln>
@@ -1017,7 +1017,7 @@
                   <a:srgbClr val="FFFFFF"/>
                 </a:solidFill>
               </a:rPr>
-              <a:t>Microsoft's Phi-3: A Game Changer in SLMs</a:t>
+              <a:t>Introducing Meta Llama 3: The Most Capable Openly Available LLM to Date by Karthik Avinash</a:t>
             </a:r>
             <a:endParaRPr lang="en-IN" dirty="0">
               <a:solidFill>
@@ -1061,7 +1061,7 @@
                   <a:srgbClr val="FFFFFF"/>
                 </a:solidFill>
               </a:rPr>
-              <a:t>Phi-3: The Revolution</a:t>
+              <a:t>Large Language Model (in short LLM)</a:t>
             </a:r>
           </a:p>
         </p:txBody>
@@ -1174,7 +1174,7 @@
                   <a:srgbClr val="FFFFFF"/>
                 </a:solidFill>
               </a:rPr>
-              <a:t>Understanding Small Language Models (SLMs)</a:t>
+              <a:t>Key Goals for Llama 3</a:t>
             </a:r>
           </a:p>
         </p:txBody>
@@ -1212,7 +1212,7 @@
                   <a:srgbClr val="FFFFFF"/>
                 </a:solidFill>
               </a:rPr>
-              <a:t>Demystifying SLMs</a:t>
+              <a:t>Striving for Excellence and Responsibility</a:t>
             </a:r>
             <a:endParaRPr lang="en-US" sz="1944" dirty="0">
               <a:solidFill>
@@ -1255,7 +1255,7 @@
                   <a:srgbClr val="FFFFFF"/>
                 </a:solidFill>
               </a:rPr>
-              <a:t>What are SLMs?</a:t>
+              <a:t>Build the Best Open Models</a:t>
             </a:r>
           </a:p>
         </p:txBody>
@@ -1293,7 +1293,7 @@
                   <a:srgbClr val="FFFFFF"/>
                 </a:solidFill>
               </a:rPr>
-              <a:t>Small Language Models (SLMs) are scaled-down versions of large language models (LLMs) like OpenAI’s GPT, Meta’s  LLama-3, Mistral 7B, etc. They are designed to be lightweight and efficient for simpler tasks. These models are trained on a large corpus of data and learn to predict the next word in a sentence, generating coherent sentences.</a:t>
+              <a:t>Meta aimed to develop Llama 3 models that rival the best proprietary LLMs in performance and helpfulness. The company embraced an open-source philosophy, releasing models early and often for community feedback.  The initial text-based models are just the start, with future plans to introduce multilingual and multimodal capabilities, longer context windows, and improved overall performance.</a:t>
             </a:r>
           </a:p>
           <a:p>
@@ -1376,7 +1376,7 @@
                   <a:srgbClr val="FFFFFF"/>
                 </a:solidFill>
               </a:rPr>
-              <a:t>Applications of SLMs</a:t>
+              <a:t>Address Developer Feedback</a:t>
             </a:r>
           </a:p>
         </p:txBody>
@@ -1420,7 +1420,7 @@
                   <a:srgbClr val="FFFFFF"/>
                 </a:solidFill>
               </a:rPr>
-              <a:t>SLMs are used in various scenarios where resources are limited or real-time inference is necessary. They find applications in mobile devices, IoT devices, edge computing, and scenarios with low-latency interactions.</a:t>
+              <a:t>Meta actively sought feedback from developers to enhance Llama 3's usefulness.  The company also prioritizes responsible use, playing a leading role in promoting ethical LLM development and deployment.</a:t>
             </a:r>
           </a:p>
         </p:txBody>
@@ -1464,7 +1464,7 @@
                   <a:srgbClr val="FFFFFF"/>
                 </a:solidFill>
               </a:rPr>
-              <a:t>Advantages of SLMs</a:t>
+              <a:t>Embrace Open Source Ethos</a:t>
             </a:r>
           </a:p>
         </p:txBody>
@@ -1508,7 +1508,7 @@
                   <a:srgbClr val="FFFFFF"/>
                 </a:solidFill>
               </a:rPr>
-              <a:t>These lightweight AI models sacrifice some performance and capabilities compared to LLMs but still provide valuable language understanding and generation capabilities. They allow for more widespread deployment of natural language processing capabilities in resource-constrained environments.</a:t>
+              <a:t>Meta believes in releasing early and often to empower the community and accelerate innovation. This approach allows developers to access models during development and contribute to their evolution. The company is committed to fostering an open ecosystem where collaboration thrives.</a:t>
             </a:r>
           </a:p>
         </p:txBody>
@@ -1552,7 +1552,7 @@
                   <a:srgbClr val="FFFFFF"/>
                 </a:solidFill>
               </a:rPr>
-              <a:t>Microsoft's Phi-3: The SLM Revolution</a:t>
+              <a:t>Future Plans for Llama 3</a:t>
             </a:r>
           </a:p>
         </p:txBody>
@@ -1596,7 +1596,7 @@
                   <a:srgbClr val="FFFFFF"/>
                 </a:solidFill>
               </a:rPr>
-              <a:t>Microsoft Phi-3 is a prime example of an SLM pushing the boundaries of what’s possible with these models. It offers superior performance across various benchmarks while being cost-effective. With an impressive 3.8 billion parameters, Phi-3 represents a significant milestone in compact language modeling technology.</a:t>
+              <a:t>Meta envisions a future where Llama 3 becomes multilingual and multimodal, capable of understanding and responding to multiple languages and formats.  The company aims to extend its context window, allowing the model to process and analyze larger amounts of information.  Continuous performance improvements are planned across core LLM capabilities like reasoning and coding, pushing the boundaries of AI.</a:t>
             </a:r>
           </a:p>
         </p:txBody>
@@ -1733,7 +1733,7 @@
                   <a:srgbClr val="FFFFFF"/>
                 </a:solidFill>
               </a:rPr>
-              <a:t>Phi-3: Performance and Capabilities</a:t>
+              <a:t>State-of-the-Art Performance</a:t>
             </a:r>
           </a:p>
         </p:txBody>
@@ -1771,7 +1771,7 @@
                   <a:srgbClr val="FFFFFF"/>
                 </a:solidFill>
               </a:rPr>
-              <a:t>Benchmarking and Performance Evaluation</a:t>
+              <a:t>Pushing the Boundaries of Language Modeling</a:t>
             </a:r>
             <a:endParaRPr lang="en-US" sz="1768" dirty="0">
               <a:solidFill>
@@ -1891,7 +1891,7 @@
                   <a:srgbClr val="FFFFFF"/>
                 </a:solidFill>
               </a:rPr>
-              <a:t>Performance Evaluation</a:t>
+              <a:t>Improved Pretraining &amp; Post-training</a:t>
             </a:r>
           </a:p>
         </p:txBody>
@@ -1929,7 +1929,7 @@
                   <a:srgbClr val="FFFFFF"/>
                 </a:solidFill>
               </a:rPr>
-              <a:t>Phi-3's performance is assessed through rigorous evaluation against academic benchmarks and internal testing. Despite its smaller size, Phi-3 demonstrates impressive results, achieving 69% on the MMLU benchmark and 8.38 on the MT-bench metric.</a:t>
+              <a:t>Llama 3's 8B and 70B parameter models surpass Llama 2, achieving a new standard in LLM performance. Advanced pretraining and post-training techniques have yielded significant improvements, leading to the best available models at those scales. False refusal rates have been reduced, alignment enhanced, and response diversity increased.  Enhanced capabilities, including reasoning, code generation, and instruction following, make Llama 3 more steerable and responsive.</a:t>
             </a:r>
           </a:p>
         </p:txBody>
@@ -2044,7 +2044,7 @@
                   <a:srgbClr val="FFFFFF"/>
                 </a:solidFill>
               </a:rPr>
-              <a:t>Phi-3 vs. GPT-3.5</a:t>
+              <a:t>Human Evaluation Benchmark</a:t>
             </a:r>
           </a:p>
         </p:txBody>
@@ -2082,7 +2082,7 @@
                   <a:srgbClr val="FFFFFF"/>
                 </a:solidFill>
               </a:rPr>
-              <a:t>When comparing the performance of Phi-3 with GPT-3.5, a Large Language Model (LLM), it's important to consider the tasks at hand. For many language, reasoning, coding, and math benchmarks, Phi-3 models have been shown to outperform models of the same size and those of the next size up, including GPT-3.5.</a:t>
+              <a:t>Meta created a high-quality human evaluation set encompassing 12 key use cases, including coding, writing, and reasoning. The 70B instruction-following model outperforms Claude Sonnet, Mistral Medium, and GPT-3.5 in real-world scenarios, as assessed by human annotators.  The pretrained model also sets a new benchmark for LLMs at its scale.</a:t>
             </a:r>
           </a:p>
         </p:txBody>
@@ -2197,7 +2197,7 @@
                   <a:srgbClr val="FFFFFF"/>
                 </a:solidFill>
               </a:rPr>
-              <a:t>Architecture and Design</a:t>
+              <a:t>Performance in Real-World Scenarios</a:t>
             </a:r>
           </a:p>
         </p:txBody>
@@ -2235,7 +2235,7 @@
                   <a:srgbClr val="FFFFFF"/>
                 </a:solidFill>
               </a:rPr>
-              <a:t>Phi-3 is a transformer decoder architecture with a default context length of 4K, ensuring efficient processing of input data while maintaining context awareness. Phi-3 also offers a long context version, Phi-3-mini-128K, extending context length to 128K for handling tasks requiring broader context comprehension. With 32 heads and 32 layers, Phi-3 balances model complexity with computational efficiency, making it suitable for deployment on mobile devices.</a:t>
+              <a:t>Llama 3 was evaluated not just on standard benchmarks but also for real-world performance. The evaluation set was carefully curated to assess the model's ability to handle diverse prompts and tasks.  Human evaluators consistently favored the 70B instruction-following model over competitors, showcasing its strength in practical scenarios.</a:t>
             </a:r>
           </a:p>
         </p:txBody>

--- a/updated_presentation.pptx
+++ b/updated_presentation.pptx
@@ -938,7 +938,7 @@
                   <a:srgbClr val="FFFFFF"/>
                 </a:solidFill>
               </a:rPr>
-              <a:t>Meta introduces Llama 3, the next generation of its open-source large language model (LLM). This release features pretrained and instruction-fine-tuned models with 8B and 70B parameters, demonstrating state-of-the-art performance across benchmarks.  Llama 3 is available on various platforms, including AWS, Databricks, Google Cloud, and Hugging Face, with support from AMD, AWS, Dell, Intel, NVIDIA, and Qualcomm. Meta emphasizes responsible development and deployment, offering tools like Llama Guard 2, Code Shield, and CyberSec Eval 2 for safety. Future plans include introducing new capabilities, longer context windows, additional model sizes, and enhanced performance.</a:t>
+              <a:t>Meta Llama 3 is the next generation of our state-of-the-art open source large language model. It's available on various platforms including AWS, Databricks, Google Cloud, Hugging Face, Kaggle, IBM WatsonX, Microsoft Azure, NVIDIA NIM, and Snowflake. We're dedicated to developing Llama 3 responsibly, and offering resources to help others do the same. This includes Llama Guard 2, Code Shield, and CyberSec Eval 2 for trust and safety. In the coming months, we expect new capabilities, longer context windows, additional model sizes, and enhanced performance. The Llama 3 research paper will also be released soon.</a:t>
             </a:r>
             <a:endParaRPr kumimoji="0" lang="en-US" altLang="en-US" i="0" u="none" strike="noStrike" cap="none" normalizeH="0" baseline="0" dirty="0">
               <a:ln>
@@ -1017,7 +1017,7 @@
                   <a:srgbClr val="FFFFFF"/>
                 </a:solidFill>
               </a:rPr>
-              <a:t>Introducing Meta Llama 3: The Most Capable Openly Available LLM to Date by Karthik Avinash</a:t>
+              <a:t>Introducing Meta Llama 3: The Most Capable Openly Available LLM</a:t>
             </a:r>
             <a:endParaRPr lang="en-IN" dirty="0">
               <a:solidFill>
@@ -1061,7 +1061,7 @@
                   <a:srgbClr val="FFFFFF"/>
                 </a:solidFill>
               </a:rPr>
-              <a:t>Large Language Model (in short LLM)</a:t>
+              <a:t>Large Language Models</a:t>
             </a:r>
           </a:p>
         </p:txBody>
@@ -1174,7 +1174,7 @@
                   <a:srgbClr val="FFFFFF"/>
                 </a:solidFill>
               </a:rPr>
-              <a:t>Key Goals for Llama 3</a:t>
+              <a:t>Introducing Meta Llama 3</a:t>
             </a:r>
           </a:p>
         </p:txBody>
@@ -1212,7 +1212,7 @@
                   <a:srgbClr val="FFFFFF"/>
                 </a:solidFill>
               </a:rPr>
-              <a:t>Striving for Excellence and Responsibility</a:t>
+              <a:t>The Next Generation of Llama</a:t>
             </a:r>
             <a:endParaRPr lang="en-US" sz="1944" dirty="0">
               <a:solidFill>
@@ -1255,7 +1255,7 @@
                   <a:srgbClr val="FFFFFF"/>
                 </a:solidFill>
               </a:rPr>
-              <a:t>Build the Best Open Models</a:t>
+              <a:t>Llama 3 models are here!</a:t>
             </a:r>
           </a:p>
         </p:txBody>
@@ -1293,7 +1293,7 @@
                   <a:srgbClr val="FFFFFF"/>
                 </a:solidFill>
               </a:rPr>
-              <a:t>Meta aimed to develop Llama 3 models that rival the best proprietary LLMs in performance and helpfulness. The company embraced an open-source philosophy, releasing models early and often for community feedback.  The initial text-based models are just the start, with future plans to introduce multilingual and multimodal capabilities, longer context windows, and improved overall performance.</a:t>
+              <a:t>This release features pretrained and instruction-fine-tuned language models with 8B and 70B parameters, supporting a wide range of use cases. Llama 3 demonstrates state-of-the-art performance on various benchmarks and offers improved reasoning capabilities. We believe these are the best open source models of their class.</a:t>
             </a:r>
           </a:p>
           <a:p>
@@ -1330,6 +1330,85 @@
               <a:buNone/>
             </a:pPr>
             <a:endParaRPr lang="en-US" sz="1944" dirty="0">
+              <a:solidFill>
+                <a:schemeClr val="bg1"/>
+              </a:solidFill>
+            </a:endParaRPr>
+          </a:p>
+        </p:txBody>
+      </p:sp>
+      <p:sp>
+        <p:nvSpPr>
+          <p:cNvPr id="12" name="TextBox 11">
+            <a:extLst>
+              <a:ext uri="{FF2B5EF4-FFF2-40B4-BE49-F238E27FC236}">
+                <a16:creationId xmlns:a16="http://schemas.microsoft.com/office/drawing/2014/main" id="{E835B8CB-49DA-B0C3-AC18-6B6B5500D8B2}"/>
+              </a:ext>
+            </a:extLst>
+          </p:cNvPr>
+          <p:cNvSpPr txBox="1"/>
+          <p:nvPr/>
+        </p:nvSpPr>
+        <p:spPr>
+          <a:xfrm>
+            <a:off x="5799117" y="1676946"/>
+            <a:ext cx="2064723" cy="1754326"/>
+          </a:xfrm>
+          <a:prstGeom prst="rect">
+            <a:avLst/>
+          </a:prstGeom>
+          <a:noFill/>
+        </p:spPr>
+        <p:txBody>
+          <a:bodyPr wrap="square" rtlCol="0">
+            <a:spAutoFit/>
+          </a:bodyPr>
+          <a:lstStyle/>
+          <a:p>
+            <a:r>
+              <a:rPr u="sng">
+                <a:solidFill>
+                  <a:srgbClr val="0000FF"/>
+                </a:solidFill>
+              </a:rPr>
+              <a:t>https://encrypted-tbn0.gstatic.com/images?q=tbn:ANd9GcTr-AAfKLhwCwRnqg_umaasvtg7SDJvD3pN9g-BD_8xlo7c24c3zoLTnOBYum0&amp;s</a:t>
+            </a:r>
+            <a:endParaRPr lang="en-IN" dirty="0">
+              <a:solidFill>
+                <a:schemeClr val="bg1"/>
+              </a:solidFill>
+            </a:endParaRPr>
+          </a:p>
+          <a:p>
+            <a:endParaRPr lang="en-IN" dirty="0">
+              <a:solidFill>
+                <a:schemeClr val="bg1"/>
+              </a:solidFill>
+            </a:endParaRPr>
+          </a:p>
+          <a:p>
+            <a:endParaRPr lang="en-IN" dirty="0">
+              <a:solidFill>
+                <a:schemeClr val="bg1"/>
+              </a:solidFill>
+            </a:endParaRPr>
+          </a:p>
+          <a:p>
+            <a:endParaRPr lang="en-IN" dirty="0">
+              <a:solidFill>
+                <a:schemeClr val="bg1"/>
+              </a:solidFill>
+            </a:endParaRPr>
+          </a:p>
+          <a:p>
+            <a:endParaRPr lang="en-IN" dirty="0">
+              <a:solidFill>
+                <a:schemeClr val="bg1"/>
+              </a:solidFill>
+            </a:endParaRPr>
+          </a:p>
+          <a:p>
+            <a:endParaRPr lang="en-IN" dirty="0">
               <a:solidFill>
                 <a:schemeClr val="bg1"/>
               </a:solidFill>
@@ -1376,7 +1455,7 @@
                   <a:srgbClr val="FFFFFF"/>
                 </a:solidFill>
               </a:rPr>
-              <a:t>Address Developer Feedback</a:t>
+              <a:t>Llama 3 is open source.</a:t>
             </a:r>
           </a:p>
         </p:txBody>
@@ -1420,7 +1499,7 @@
                   <a:srgbClr val="FFFFFF"/>
                 </a:solidFill>
               </a:rPr>
-              <a:t>Meta actively sought feedback from developers to enhance Llama 3's usefulness.  The company also prioritizes responsible use, playing a leading role in promoting ethical LLM development and deployment.</a:t>
+              <a:t>We're putting Llama 3 in the hands of the community to kickstart the next wave of AI innovation across the stack—from applications to developer tools and more.</a:t>
             </a:r>
           </a:p>
         </p:txBody>
@@ -1464,7 +1543,7 @@
                   <a:srgbClr val="FFFFFF"/>
                 </a:solidFill>
               </a:rPr>
-              <a:t>Embrace Open Source Ethos</a:t>
+              <a:t>Why Llama 3?</a:t>
             </a:r>
           </a:p>
         </p:txBody>
@@ -1508,7 +1587,7 @@
                   <a:srgbClr val="FFFFFF"/>
                 </a:solidFill>
               </a:rPr>
-              <a:t>Meta believes in releasing early and often to empower the community and accelerate innovation. This approach allows developers to access models during development and contribute to their evolution. The company is committed to fostering an open ecosystem where collaboration thrives.</a:t>
+              <a:t>We aimed to build the best open models, matching the quality of proprietary models. We addressed developer feedback to improve Llama 3's helpfulness, prioritizing responsible use and deployment. We're embracing open source ethos by releasing early and often, allowing the community access to models in development.</a:t>
             </a:r>
           </a:p>
         </p:txBody>
@@ -1552,7 +1631,7 @@
                   <a:srgbClr val="FFFFFF"/>
                 </a:solidFill>
               </a:rPr>
-              <a:t>Future Plans for Llama 3</a:t>
+              <a:t>What's next?</a:t>
             </a:r>
           </a:p>
         </p:txBody>
@@ -1596,35 +1675,11 @@
                   <a:srgbClr val="FFFFFF"/>
                 </a:solidFill>
               </a:rPr>
-              <a:t>Meta envisions a future where Llama 3 becomes multilingual and multimodal, capable of understanding and responding to multiple languages and formats.  The company aims to extend its context window, allowing the model to process and analyze larger amounts of information.  Continuous performance improvements are planned across core LLM capabilities like reasoning and coding, pushing the boundaries of AI.</a:t>
+              <a:t>We'll make Llama 3 multilingual and multimodal, enhance its context length, and continue improving overall performance, including reasoning and coding abilities. Our goal is to empower the community with the best possible tools for AI innovation.</a:t>
             </a:r>
           </a:p>
         </p:txBody>
       </p:sp>
-      <p:pic>
-        <p:nvPicPr>
-          <p:cNvPr id="23" name="Picture 22" descr="image_8.jpg"/>
-          <p:cNvPicPr>
-            <a:picLocks noChangeAspect="1"/>
-          </p:cNvPicPr>
-          <p:nvPr/>
-        </p:nvPicPr>
-        <p:blipFill>
-          <a:blip r:embed="rId4"/>
-          <a:stretch>
-            <a:fillRect/>
-          </a:stretch>
-        </p:blipFill>
-        <p:spPr>
-          <a:xfrm>
-            <a:off x="5799117" y="1676946"/>
-            <a:ext cx="2064723" cy="1754326"/>
-          </a:xfrm>
-          <a:prstGeom prst="rect">
-            <a:avLst/>
-          </a:prstGeom>
-        </p:spPr>
-      </p:pic>
     </p:spTree>
   </p:cSld>
   <p:clrMapOvr>
@@ -1733,7 +1788,7 @@
                   <a:srgbClr val="FFFFFF"/>
                 </a:solidFill>
               </a:rPr>
-              <a:t>State-of-the-Art Performance</a:t>
+              <a:t>Llama 3 Performance</a:t>
             </a:r>
           </a:p>
         </p:txBody>
@@ -1771,7 +1826,7 @@
                   <a:srgbClr val="FFFFFF"/>
                 </a:solidFill>
               </a:rPr>
-              <a:t>Pushing the Boundaries of Language Modeling</a:t>
+              <a:t>State-of-the-Art Results Across Benchmarks</a:t>
             </a:r>
             <a:endParaRPr lang="en-US" sz="1768" dirty="0">
               <a:solidFill>
@@ -1891,7 +1946,7 @@
                   <a:srgbClr val="FFFFFF"/>
                 </a:solidFill>
               </a:rPr>
-              <a:t>Improved Pretraining &amp; Post-training</a:t>
+              <a:t>Llama 3 is a major leap.</a:t>
             </a:r>
           </a:p>
         </p:txBody>
@@ -1929,7 +1984,7 @@
                   <a:srgbClr val="FFFFFF"/>
                 </a:solidFill>
               </a:rPr>
-              <a:t>Llama 3's 8B and 70B parameter models surpass Llama 2, achieving a new standard in LLM performance. Advanced pretraining and post-training techniques have yielded significant improvements, leading to the best available models at those scales. False refusal rates have been reduced, alignment enhanced, and response diversity increased.  Enhanced capabilities, including reasoning, code generation, and instruction following, make Llama 3 more steerable and responsive.</a:t>
+              <a:t>Our 8B and 70B parameter Llama 3 models outperform Llama 2 and set a new standard for LLMs at those scales. Improvements in pretraining and post-training have made our pretrained and instruction-fine-tuned models the best at their respective sizes. These improvements have also led to reduced false refusal rates, enhanced alignment, and increased diversity in model responses.</a:t>
             </a:r>
           </a:p>
         </p:txBody>
@@ -2044,7 +2099,7 @@
                   <a:srgbClr val="FFFFFF"/>
                 </a:solidFill>
               </a:rPr>
-              <a:t>Human Evaluation Benchmark</a:t>
+              <a:t>Human evaluations confirm.</a:t>
             </a:r>
           </a:p>
         </p:txBody>
@@ -2082,7 +2137,7 @@
                   <a:srgbClr val="FFFFFF"/>
                 </a:solidFill>
               </a:rPr>
-              <a:t>Meta created a high-quality human evaluation set encompassing 12 key use cases, including coding, writing, and reasoning. The 70B instruction-following model outperforms Claude Sonnet, Mistral Medium, and GPT-3.5 in real-world scenarios, as assessed by human annotators.  The pretrained model also sets a new benchmark for LLMs at its scale.</a:t>
+              <a:t>We've developed a new high-quality human evaluation set covering 12 key use cases. Our 70B instruction-following model consistently outperforms competing models of similar size in real-world scenarios. The chart below shows aggregated results of human evaluations against Claude Sonnet, Mistral Medium, and GPT-3.5, highlighting Llama 3's strength in real-world tasks.</a:t>
             </a:r>
           </a:p>
         </p:txBody>
@@ -2197,7 +2252,7 @@
                   <a:srgbClr val="FFFFFF"/>
                 </a:solidFill>
               </a:rPr>
-              <a:t>Performance in Real-World Scenarios</a:t>
+              <a:t>Focus on real-world use cases.</a:t>
             </a:r>
           </a:p>
         </p:txBody>
@@ -2235,25 +2290,23 @@
                   <a:srgbClr val="FFFFFF"/>
                 </a:solidFill>
               </a:rPr>
-              <a:t>Llama 3 was evaluated not just on standard benchmarks but also for real-world performance. The evaluation set was carefully curated to assess the model's ability to handle diverse prompts and tasks.  Human evaluators consistently favored the 70B instruction-following model over competitors, showcasing its strength in practical scenarios.</a:t>
+              <a:t>We evaluated Llama 3 on standard benchmarks and developed a new high-quality human evaluation set, containing 1,800 prompts across 12 key use cases. This set helps assess real-world performance. For improved model safety, even our own modeling teams don't have access to this evaluation set, ensuring that Llama 3 isn't overfitting to it. The chart below shows human evaluation results for Llama 3 against comparable models.</a:t>
             </a:r>
           </a:p>
         </p:txBody>
       </p:sp>
-      <p:pic>
-        <p:nvPicPr>
-          <p:cNvPr id="20" name="Picture 19" descr="image_23.jpg"/>
-          <p:cNvPicPr>
-            <a:picLocks noChangeAspect="1"/>
-          </p:cNvPicPr>
-          <p:nvPr/>
-        </p:nvPicPr>
-        <p:blipFill>
-          <a:blip r:embed="rId4"/>
-          <a:stretch>
-            <a:fillRect/>
-          </a:stretch>
-        </p:blipFill>
+      <p:sp>
+        <p:nvSpPr>
+          <p:cNvPr id="4" name="TextBox 3">
+            <a:extLst>
+              <a:ext uri="{FF2B5EF4-FFF2-40B4-BE49-F238E27FC236}">
+                <a16:creationId xmlns:a16="http://schemas.microsoft.com/office/drawing/2014/main" id="{78A3BF24-1B37-C355-216B-A51563389A80}"/>
+              </a:ext>
+            </a:extLst>
+          </p:cNvPr>
+          <p:cNvSpPr txBox="1"/>
+          <p:nvPr/>
+        </p:nvSpPr>
         <p:spPr>
           <a:xfrm>
             <a:off x="9876493" y="524392"/>
@@ -2262,8 +2315,86 @@
           <a:prstGeom prst="rect">
             <a:avLst/>
           </a:prstGeom>
-        </p:spPr>
-      </p:pic>
+          <a:noFill/>
+        </p:spPr>
+        <p:txBody>
+          <a:bodyPr wrap="square" rtlCol="0">
+            <a:spAutoFit/>
+          </a:bodyPr>
+          <a:lstStyle/>
+          <a:p>
+            <a:r>
+              <a:rPr u="sng">
+                <a:solidFill>
+                  <a:srgbClr val="0000FF"/>
+                </a:solidFill>
+              </a:rPr>
+              <a:t>https://encrypted-tbn0.gstatic.com/images?q=tbn:ANd9GcQ8XaOniGFjHrxYnjX8sghabxcvV34Hc3tfvY1g9-KsQgewMBhYG6hWWiFG3wg&amp;s</a:t>
+            </a:r>
+            <a:endParaRPr lang="en-IN" dirty="0">
+              <a:solidFill>
+                <a:schemeClr val="bg1"/>
+              </a:solidFill>
+            </a:endParaRPr>
+          </a:p>
+          <a:p>
+            <a:endParaRPr lang="en-IN" dirty="0">
+              <a:solidFill>
+                <a:schemeClr val="bg1"/>
+              </a:solidFill>
+            </a:endParaRPr>
+          </a:p>
+          <a:p>
+            <a:endParaRPr lang="en-IN" dirty="0">
+              <a:solidFill>
+                <a:schemeClr val="bg1"/>
+              </a:solidFill>
+            </a:endParaRPr>
+          </a:p>
+          <a:p>
+            <a:endParaRPr lang="en-IN" dirty="0">
+              <a:solidFill>
+                <a:schemeClr val="bg1"/>
+              </a:solidFill>
+            </a:endParaRPr>
+          </a:p>
+          <a:p>
+            <a:endParaRPr lang="en-IN" dirty="0">
+              <a:solidFill>
+                <a:schemeClr val="bg1"/>
+              </a:solidFill>
+            </a:endParaRPr>
+          </a:p>
+          <a:p>
+            <a:endParaRPr lang="en-IN" dirty="0">
+              <a:solidFill>
+                <a:schemeClr val="bg1"/>
+              </a:solidFill>
+            </a:endParaRPr>
+          </a:p>
+          <a:p>
+            <a:endParaRPr lang="en-IN" dirty="0">
+              <a:solidFill>
+                <a:schemeClr val="bg1"/>
+              </a:solidFill>
+            </a:endParaRPr>
+          </a:p>
+          <a:p>
+            <a:endParaRPr lang="en-IN" dirty="0">
+              <a:solidFill>
+                <a:schemeClr val="bg1"/>
+              </a:solidFill>
+            </a:endParaRPr>
+          </a:p>
+          <a:p>
+            <a:endParaRPr lang="en-IN" dirty="0">
+              <a:solidFill>
+                <a:schemeClr val="bg1"/>
+              </a:solidFill>
+            </a:endParaRPr>
+          </a:p>
+        </p:txBody>
+      </p:sp>
     </p:spTree>
   </p:cSld>
   <p:clrMapOvr>

--- a/updated_presentation.pptx
+++ b/updated_presentation.pptx
@@ -938,7 +938,7 @@
                   <a:srgbClr val="FFFFFF"/>
                 </a:solidFill>
               </a:rPr>
-              <a:t>Meta Llama 3 is the next generation of our state-of-the-art open source large language model. It's available on various platforms including AWS, Databricks, Google Cloud, Hugging Face, Kaggle, IBM WatsonX, Microsoft Azure, NVIDIA NIM, and Snowflake. We're dedicated to developing Llama 3 responsibly, and offering resources to help others do the same. This includes Llama Guard 2, Code Shield, and CyberSec Eval 2 for trust and safety. In the coming months, we expect new capabilities, longer context windows, additional model sizes, and enhanced performance. The Llama 3 research paper will also be released soon.</a:t>
+              <a:t>Introducing Meta Llama 3, the most capable openly available LLM to date. This next-generation language model offers significant advancements over previous versions, including improved reasoning capabilities and performance across a wide range of benchmarks. Available across major platforms, Llama 3 is poised to empower developers and drive innovation in the field of AI.</a:t>
             </a:r>
             <a:endParaRPr kumimoji="0" lang="en-US" altLang="en-US" i="0" u="none" strike="noStrike" cap="none" normalizeH="0" baseline="0" dirty="0">
               <a:ln>
@@ -1017,7 +1017,7 @@
                   <a:srgbClr val="FFFFFF"/>
                 </a:solidFill>
               </a:rPr>
-              <a:t>Introducing Meta Llama 3: The Most Capable Openly Available LLM</a:t>
+              <a:t>The Future of Open Source LLMs</a:t>
             </a:r>
             <a:endParaRPr lang="en-IN" dirty="0">
               <a:solidFill>
@@ -1061,7 +1061,7 @@
                   <a:srgbClr val="FFFFFF"/>
                 </a:solidFill>
               </a:rPr>
-              <a:t>Large Language Models</a:t>
+              <a:t>Meta Llama 3</a:t>
             </a:r>
           </a:p>
         </p:txBody>
@@ -1174,7 +1174,7 @@
                   <a:srgbClr val="FFFFFF"/>
                 </a:solidFill>
               </a:rPr>
-              <a:t>Introducing Meta Llama 3</a:t>
+              <a:t>Key Highlights</a:t>
             </a:r>
           </a:p>
         </p:txBody>
@@ -1212,7 +1212,7 @@
                   <a:srgbClr val="FFFFFF"/>
                 </a:solidFill>
               </a:rPr>
-              <a:t>The Next Generation of Llama</a:t>
+              <a:t>State-of-the-art Performance</a:t>
             </a:r>
             <a:endParaRPr lang="en-US" sz="1944" dirty="0">
               <a:solidFill>
@@ -1255,7 +1255,7 @@
                   <a:srgbClr val="FFFFFF"/>
                 </a:solidFill>
               </a:rPr>
-              <a:t>Llama 3 models are here!</a:t>
+              <a:t>Llama 3 surpasses its predecessor, Llama 2, establishing a new benchmark for LLMs at its scale.</a:t>
             </a:r>
           </a:p>
         </p:txBody>
@@ -1293,7 +1293,7 @@
                   <a:srgbClr val="FFFFFF"/>
                 </a:solidFill>
               </a:rPr>
-              <a:t>This release features pretrained and instruction-fine-tuned language models with 8B and 70B parameters, supporting a wide range of use cases. Llama 3 demonstrates state-of-the-art performance on various benchmarks and offers improved reasoning capabilities. We believe these are the best open source models of their class.</a:t>
+              <a:t>Extensive training on a massive dataset, combined with innovative post-training techniques, resulted in significantly enhanced model capabilities, including reasoning, code generation, and instruction following.</a:t>
             </a:r>
           </a:p>
           <a:p>
@@ -1371,7 +1371,7 @@
                   <a:srgbClr val="0000FF"/>
                 </a:solidFill>
               </a:rPr>
-              <a:t>https://encrypted-tbn0.gstatic.com/images?q=tbn:ANd9GcTr-AAfKLhwCwRnqg_umaasvtg7SDJvD3pN9g-BD_8xlo7c24c3zoLTnOBYum0&amp;s</a:t>
+              <a:t>https://encrypted-tbn0.gstatic.com/images?q=tbn:ANd9GcSSBnFJIJYoSIC4VWLhcjA3cZxqtaerQ6z_mBaOg_mdISNyvSBVZcSDzSAAAmQ&amp;s</a:t>
             </a:r>
             <a:endParaRPr lang="en-IN" dirty="0">
               <a:solidFill>
@@ -1455,7 +1455,7 @@
                   <a:srgbClr val="FFFFFF"/>
                 </a:solidFill>
               </a:rPr>
-              <a:t>Llama 3 is open source.</a:t>
+              <a:t>Open Source Approach</a:t>
             </a:r>
           </a:p>
         </p:txBody>
@@ -1499,7 +1499,7 @@
                   <a:srgbClr val="FFFFFF"/>
                 </a:solidFill>
               </a:rPr>
-              <a:t>We're putting Llama 3 in the hands of the community to kickstart the next wave of AI innovation across the stack—from applications to developer tools and more.</a:t>
+              <a:t>Meta's commitment to open source principles has made Llama 3 accessible to a broader community of developers, fostering innovation and collaboration in the field.</a:t>
             </a:r>
           </a:p>
         </p:txBody>
@@ -1543,7 +1543,7 @@
                   <a:srgbClr val="FFFFFF"/>
                 </a:solidFill>
               </a:rPr>
-              <a:t>Why Llama 3?</a:t>
+              <a:t>Availability &amp; Platforms</a:t>
             </a:r>
           </a:p>
         </p:txBody>
@@ -1587,7 +1587,7 @@
                   <a:srgbClr val="FFFFFF"/>
                 </a:solidFill>
               </a:rPr>
-              <a:t>We aimed to build the best open models, matching the quality of proprietary models. We addressed developer feedback to improve Llama 3's helpfulness, prioritizing responsible use and deployment. We're embracing open source ethos by releasing early and often, allowing the community access to models in development.</a:t>
+              <a:t>Llama 3 is readily available on leading cloud platforms, model API providers, and other key infrastructure, ensuring its accessibility and widespread adoption.</a:t>
             </a:r>
           </a:p>
         </p:txBody>
@@ -1631,7 +1631,7 @@
                   <a:srgbClr val="FFFFFF"/>
                 </a:solidFill>
               </a:rPr>
-              <a:t>What's next?</a:t>
+              <a:t>Responsible AI Development</a:t>
             </a:r>
           </a:p>
         </p:txBody>
@@ -1675,7 +1675,7 @@
                   <a:srgbClr val="FFFFFF"/>
                 </a:solidFill>
               </a:rPr>
-              <a:t>We'll make Llama 3 multilingual and multimodal, enhance its context length, and continue improving overall performance, including reasoning and coding abilities. Our goal is to empower the community with the best possible tools for AI innovation.</a:t>
+              <a:t>Meta prioritizes responsible AI development, implementing robust safeguards and guidelines to mitigate potential risks associated with LLM usage. Tools like Llama Guard 2 and Code Shield enhance safety and ensure ethical deployment.</a:t>
             </a:r>
           </a:p>
         </p:txBody>
@@ -1788,7 +1788,7 @@
                   <a:srgbClr val="FFFFFF"/>
                 </a:solidFill>
               </a:rPr>
-              <a:t>Llama 3 Performance</a:t>
+              <a:t>Behind the Breakthrough</a:t>
             </a:r>
           </a:p>
         </p:txBody>
@@ -1826,7 +1826,7 @@
                   <a:srgbClr val="FFFFFF"/>
                 </a:solidFill>
               </a:rPr>
-              <a:t>State-of-the-Art Results Across Benchmarks</a:t>
+              <a:t>Training &amp; Architecture</a:t>
             </a:r>
             <a:endParaRPr lang="en-US" sz="1768" dirty="0">
               <a:solidFill>
@@ -1946,7 +1946,7 @@
                   <a:srgbClr val="FFFFFF"/>
                 </a:solidFill>
               </a:rPr>
-              <a:t>Llama 3 is a major leap.</a:t>
+              <a:t>Model Architecture</a:t>
             </a:r>
           </a:p>
         </p:txBody>
@@ -1984,7 +1984,7 @@
                   <a:srgbClr val="FFFFFF"/>
                 </a:solidFill>
               </a:rPr>
-              <a:t>Our 8B and 70B parameter Llama 3 models outperform Llama 2 and set a new standard for LLMs at those scales. Improvements in pretraining and post-training have made our pretrained and instruction-fine-tuned models the best at their respective sizes. These improvements have also led to reduced false refusal rates, enhanced alignment, and increased diversity in model responses.</a:t>
+              <a:t>Llama 3 leverages a decoder-only transformer architecture with key improvements, including a larger vocabulary tokenizer for efficient language encoding and grouped query attention (GQA) for enhanced inference efficiency.</a:t>
             </a:r>
           </a:p>
         </p:txBody>
@@ -2099,7 +2099,7 @@
                   <a:srgbClr val="FFFFFF"/>
                 </a:solidFill>
               </a:rPr>
-              <a:t>Human evaluations confirm.</a:t>
+              <a:t>Training Data</a:t>
             </a:r>
           </a:p>
         </p:txBody>
@@ -2137,7 +2137,7 @@
                   <a:srgbClr val="FFFFFF"/>
                 </a:solidFill>
               </a:rPr>
-              <a:t>We've developed a new high-quality human evaluation set covering 12 key use cases. Our 70B instruction-following model consistently outperforms competing models of similar size in real-world scenarios. The chart below shows aggregated results of human evaluations against Claude Sonnet, Mistral Medium, and GPT-3.5, highlighting Llama 3's strength in real-world tasks.</a:t>
+              <a:t>The model was trained on an extensive dataset of over 15T tokens, encompassing a diverse range of publicly available sources, including a significant amount of code. This vast dataset, combined with rigorous data filtering and curation processes, ensures high-quality training data.</a:t>
             </a:r>
           </a:p>
         </p:txBody>
@@ -2252,7 +2252,7 @@
                   <a:srgbClr val="FFFFFF"/>
                 </a:solidFill>
               </a:rPr>
-              <a:t>Focus on real-world use cases.</a:t>
+              <a:t>Scaling Up Training</a:t>
             </a:r>
           </a:p>
         </p:txBody>
@@ -2290,7 +2290,7 @@
                   <a:srgbClr val="FFFFFF"/>
                 </a:solidFill>
               </a:rPr>
-              <a:t>We evaluated Llama 3 on standard benchmarks and developed a new high-quality human evaluation set, containing 1,800 prompts across 12 key use cases. This set helps assess real-world performance. For improved model safety, even our own modeling teams don't have access to this evaluation set, ensuring that Llama 3 isn't overfitting to it. The chart below shows human evaluation results for Llama 3 against comparable models.</a:t>
+              <a:t>Meta's commitment to scaling up training involved employing advanced parallelization techniques, resulting in significant improvements in training efficiency and compute utilization. These optimizations allowed for the training of larger models with greater accuracy and performance.</a:t>
             </a:r>
           </a:p>
         </p:txBody>
@@ -2329,7 +2329,7 @@
                   <a:srgbClr val="0000FF"/>
                 </a:solidFill>
               </a:rPr>
-              <a:t>https://encrypted-tbn0.gstatic.com/images?q=tbn:ANd9GcQ8XaOniGFjHrxYnjX8sghabxcvV34Hc3tfvY1g9-KsQgewMBhYG6hWWiFG3wg&amp;s</a:t>
+              <a:t>https://encrypted-tbn0.gstatic.com/images?q=tbn:ANd9GcSuID-grn03Ldol_ZqSQZsP1CB-4frX6z80H3XyoSoU-tD075dCaG2PEN0peg&amp;s</a:t>
             </a:r>
             <a:endParaRPr lang="en-IN" dirty="0">
               <a:solidFill>

--- a/updated_presentation.pptx
+++ b/updated_presentation.pptx
@@ -938,7 +938,7 @@
                   <a:srgbClr val="FFFFFF"/>
                 </a:solidFill>
               </a:rPr>
-              <a:t>Introducing Meta Llama 3, the most capable openly available LLM to date. This next-generation language model offers significant advancements over previous versions, including improved reasoning capabilities and performance across a wide range of benchmarks. Available across major platforms, Llama 3 is poised to empower developers and drive innovation in the field of AI.</a:t>
+              <a:t>Introducing Meta Llama 3: The Most Capable Openly Available LLM to Date\n\nMeta Llama 3 is the next generation of our state-of-the-art open source large language model. It is now available on major cloud platforms and hardware platforms.\n\nWe are dedicated to developing Llama 3 responsibly and are introducing new trust and safety tools to help others use it responsibly as well. These tools include Llama Guard 2, Code Shield, and CyberSec Eval 2.\n\nIn the coming months, we expect to introduce new capabilities, longer context windows, additional model sizes, and enhanced performance, and we’ll share the Llama 3 research paper. </a:t>
             </a:r>
             <a:endParaRPr kumimoji="0" lang="en-US" altLang="en-US" i="0" u="none" strike="noStrike" cap="none" normalizeH="0" baseline="0" dirty="0">
               <a:ln>
@@ -1017,7 +1017,7 @@
                   <a:srgbClr val="FFFFFF"/>
                 </a:solidFill>
               </a:rPr>
-              <a:t>The Future of Open Source LLMs</a:t>
+              <a:t>Llama 3:  A New Era of Open LLMs</a:t>
             </a:r>
             <a:endParaRPr lang="en-IN" dirty="0">
               <a:solidFill>
@@ -1061,7 +1061,7 @@
                   <a:srgbClr val="FFFFFF"/>
                 </a:solidFill>
               </a:rPr>
-              <a:t>Meta Llama 3</a:t>
+              <a:t>Llama 3 Architecture</a:t>
             </a:r>
           </a:p>
         </p:txBody>
@@ -1174,7 +1174,7 @@
                   <a:srgbClr val="FFFFFF"/>
                 </a:solidFill>
               </a:rPr>
-              <a:t>Key Highlights</a:t>
+              <a:t>Llama 3:  The Evolution</a:t>
             </a:r>
           </a:p>
         </p:txBody>
@@ -1212,7 +1212,7 @@
                   <a:srgbClr val="FFFFFF"/>
                 </a:solidFill>
               </a:rPr>
-              <a:t>State-of-the-art Performance</a:t>
+              <a:t>Building upon Llama 2</a:t>
             </a:r>
             <a:endParaRPr lang="en-US" sz="1944" dirty="0">
               <a:solidFill>
@@ -1255,7 +1255,7 @@
                   <a:srgbClr val="FFFFFF"/>
                 </a:solidFill>
               </a:rPr>
-              <a:t>Llama 3 surpasses its predecessor, Llama 2, establishing a new benchmark for LLMs at its scale.</a:t>
+              <a:t>Llama 3 builds upon the success of Llama 2, addressing developer feedback and enhancing its capabilities.</a:t>
             </a:r>
           </a:p>
         </p:txBody>
@@ -1293,7 +1293,7 @@
                   <a:srgbClr val="FFFFFF"/>
                 </a:solidFill>
               </a:rPr>
-              <a:t>Extensive training on a massive dataset, combined with innovative post-training techniques, resulted in significantly enhanced model capabilities, including reasoning, code generation, and instruction following.</a:t>
+              <a:t>Key improvements include: \n\n  Increased helpfulness:  Llama 3 aims to be even more helpful and responsive to user queries.\n  State-of-the-art performance: Llama 3 sets a new benchmark for LLMs at its size.\n  Responsible use: Meta prioritizes responsible development and deployment of Llama 3. </a:t>
             </a:r>
           </a:p>
           <a:p>
@@ -1371,7 +1371,7 @@
                   <a:srgbClr val="0000FF"/>
                 </a:solidFill>
               </a:rPr>
-              <a:t>https://encrypted-tbn0.gstatic.com/images?q=tbn:ANd9GcSSBnFJIJYoSIC4VWLhcjA3cZxqtaerQ6z_mBaOg_mdISNyvSBVZcSDzSAAAmQ&amp;s</a:t>
+              <a:t>https://encrypted-tbn0.gstatic.com/images?q=tbn:ANd9GcReK42oUp2KxxKz8emRIuRVNkYE7S18fYB4O_e8Ku7urQH8diqLjaQm5VBFrg&amp;s</a:t>
             </a:r>
             <a:endParaRPr lang="en-IN" dirty="0">
               <a:solidFill>
@@ -1455,7 +1455,7 @@
                   <a:srgbClr val="FFFFFF"/>
                 </a:solidFill>
               </a:rPr>
-              <a:t>Open Source Approach</a:t>
+              <a:t>Llama 3:  A Community Effort</a:t>
             </a:r>
           </a:p>
         </p:txBody>
@@ -1499,7 +1499,7 @@
                   <a:srgbClr val="FFFFFF"/>
                 </a:solidFill>
               </a:rPr>
-              <a:t>Meta's commitment to open source principles has made Llama 3 accessible to a broader community of developers, fostering innovation and collaboration in the field.</a:t>
+              <a:t>Meta believes in an open approach to AI development.  Llama 3 is released under an open license, encouraging innovation and collaboration.</a:t>
             </a:r>
           </a:p>
         </p:txBody>
@@ -1543,7 +1543,7 @@
                   <a:srgbClr val="FFFFFF"/>
                 </a:solidFill>
               </a:rPr>
-              <a:t>Availability &amp; Platforms</a:t>
+              <a:t>Llama 3 Goals</a:t>
             </a:r>
           </a:p>
         </p:txBody>
@@ -1587,7 +1587,7 @@
                   <a:srgbClr val="FFFFFF"/>
                 </a:solidFill>
               </a:rPr>
-              <a:t>Llama 3 is readily available on leading cloud platforms, model API providers, and other key infrastructure, ensuring its accessibility and widespread adoption.</a:t>
+              <a:t>Meta's goals for Llama 3 are:\n\n  Build the best open LLMs:  To rival proprietary models in performance and capability.\n  Address developer feedback: To improve the overall helpfulness and usability of Llama 3.\n  Lead in responsible AI: To promote the ethical and safe use of LLMs. </a:t>
             </a:r>
           </a:p>
         </p:txBody>
@@ -1631,7 +1631,7 @@
                   <a:srgbClr val="FFFFFF"/>
                 </a:solidFill>
               </a:rPr>
-              <a:t>Responsible AI Development</a:t>
+              <a:t>Future of Llama 3</a:t>
             </a:r>
           </a:p>
         </p:txBody>
@@ -1675,7 +1675,7 @@
                   <a:srgbClr val="FFFFFF"/>
                 </a:solidFill>
               </a:rPr>
-              <a:t>Meta prioritizes responsible AI development, implementing robust safeguards and guidelines to mitigate potential risks associated with LLM usage. Tools like Llama Guard 2 and Code Shield enhance safety and ensure ethical deployment.</a:t>
+              <a:t>Meta plans to expand Llama 3 in the future by adding:\n\n  Multilingual support\n  Multimodal capabilities\n  Longer context windows\n  Continual performance improvements  </a:t>
             </a:r>
           </a:p>
         </p:txBody>
@@ -1788,7 +1788,7 @@
                   <a:srgbClr val="FFFFFF"/>
                 </a:solidFill>
               </a:rPr>
-              <a:t>Behind the Breakthrough</a:t>
+              <a:t>Llama 3 Architecture</a:t>
             </a:r>
           </a:p>
         </p:txBody>
@@ -1826,7 +1826,7 @@
                   <a:srgbClr val="FFFFFF"/>
                 </a:solidFill>
               </a:rPr>
-              <a:t>Training &amp; Architecture</a:t>
+              <a:t>Key Design Components</a:t>
             </a:r>
             <a:endParaRPr lang="en-US" sz="1768" dirty="0">
               <a:solidFill>
@@ -1946,7 +1946,7 @@
                   <a:srgbClr val="FFFFFF"/>
                 </a:solidFill>
               </a:rPr>
-              <a:t>Model Architecture</a:t>
+              <a:t>Decoder-Only Transformer Architecture</a:t>
             </a:r>
           </a:p>
         </p:txBody>
@@ -1984,7 +1984,7 @@
                   <a:srgbClr val="FFFFFF"/>
                 </a:solidFill>
               </a:rPr>
-              <a:t>Llama 3 leverages a decoder-only transformer architecture with key improvements, including a larger vocabulary tokenizer for efficient language encoding and grouped query attention (GQA) for enhanced inference efficiency.</a:t>
+              <a:t>Llama 3 utilizes a standard decoder-only transformer architecture with key improvements: \n\n  Larger Vocabulary: A 128K token vocabulary for more efficient language encoding.\n  Grouped Query Attention (GQA): Enhances inference efficiency across 8B and 70B models.\n  Longer Sequence Length: Trained on 8,192 tokens, enabling processing of larger inputs.</a:t>
             </a:r>
           </a:p>
         </p:txBody>
@@ -2137,7 +2137,7 @@
                   <a:srgbClr val="FFFFFF"/>
                 </a:solidFill>
               </a:rPr>
-              <a:t>The model was trained on an extensive dataset of over 15T tokens, encompassing a diverse range of publicly available sources, including a significant amount of code. This vast dataset, combined with rigorous data filtering and curation processes, ensures high-quality training data.</a:t>
+              <a:t>Llama 3 is trained on a massive dataset of 15T tokens. This data includes:\n\n  Publicly Available Sources:  Diverse range of text and code.\n  Multilingual Data: Over 30 languages are included, supporting future multilingual use cases.\n  Rigorous Data Filtering:  Multiple pipelines ensure high-quality data.</a:t>
             </a:r>
           </a:p>
         </p:txBody>
@@ -2252,7 +2252,7 @@
                   <a:srgbClr val="FFFFFF"/>
                 </a:solidFill>
               </a:rPr>
-              <a:t>Scaling Up Training</a:t>
+              <a:t>Scaling Up Pretraining</a:t>
             </a:r>
           </a:p>
         </p:txBody>
@@ -2290,7 +2290,7 @@
                   <a:srgbClr val="FFFFFF"/>
                 </a:solidFill>
               </a:rPr>
-              <a:t>Meta's commitment to scaling up training involved employing advanced parallelization techniques, resulting in significant improvements in training efficiency and compute utilization. These optimizations allowed for the training of larger models with greater accuracy and performance.</a:t>
+              <a:t>To optimize training, Meta developed scaling laws to guide the training process. This included:\n\n  Data Mix Optimization: Selecting the best data mix for various use cases.\n  Efficient Compute Utilization:  Maximizing GPU uptime and reducing training time.\n  Predicting Performance:  Evaluating model performance on key tasks before training.</a:t>
             </a:r>
           </a:p>
         </p:txBody>
@@ -2329,7 +2329,7 @@
                   <a:srgbClr val="0000FF"/>
                 </a:solidFill>
               </a:rPr>
-              <a:t>https://encrypted-tbn0.gstatic.com/images?q=tbn:ANd9GcSuID-grn03Ldol_ZqSQZsP1CB-4frX6z80H3XyoSoU-tD075dCaG2PEN0peg&amp;s</a:t>
+              <a:t>https://encrypted-tbn0.gstatic.com/images?q=tbn:ANd9GcRBh9MD4mrBwyjZS1NVZJremFWjagQZs7jORk22qaLxuOSOQq9sX3zc8gqnLQ&amp;s</a:t>
             </a:r>
             <a:endParaRPr lang="en-IN" dirty="0">
               <a:solidFill>

--- a/updated_presentation.pptx
+++ b/updated_presentation.pptx
@@ -905,8 +905,8 @@
         </p:nvSpPr>
         <p:spPr>
           <a:xfrm>
-            <a:off x="473336" y="3364983"/>
-            <a:ext cx="4216998" cy="4401762"/>
+            <a:off x="473335" y="3031541"/>
+            <a:ext cx="4679577" cy="1852431"/>
           </a:xfrm>
           <a:prstGeom prst="rect">
             <a:avLst/>
@@ -918,7 +918,7 @@
           <a:bodyPr wrap="square" rtlCol="0" anchor="t"/>
           <a:lstStyle/>
           <a:p>
-            <a:pPr marR="0" lvl="0" algn="l" defTabSz="914400" rtl="0" eaLnBrk="0" fontAlgn="base" latinLnBrk="0" hangingPunct="0">
+            <a:pPr marR="0" algn="l" defTabSz="914400" rtl="0" eaLnBrk="0" fontAlgn="base" latinLnBrk="0" hangingPunct="0">
               <a:lnSpc>
                 <a:spcPct val="100000"/>
               </a:lnSpc>
@@ -938,7 +938,55 @@
                   <a:srgbClr val="FFFFFF"/>
                 </a:solidFill>
               </a:rPr>
-              <a:t>Introducing Meta Llama 3: The Most Capable Openly Available LLM to Date\n\nMeta Llama 3 is the next generation of our state-of-the-art open source large language model. It is now available on major cloud platforms and hardware platforms.\n\nWe are dedicated to developing Llama 3 responsibly and are introducing new trust and safety tools to help others use it responsibly as well. These tools include Llama Guard 2, Code Shield, and CyberSec Eval 2.\n\nIn the coming months, we expect to introduce new capabilities, longer context windows, additional model sizes, and enhanced performance, and we’ll share the Llama 3 research paper. </a:t>
+              <a:t>This presentation is on Bajaj Allianz Health Guard</a:t>
+            </a:r>
+            <a:r>
+              <a:rPr sz="1600">
+                <a:solidFill>
+                  <a:srgbClr val="FFFFFF"/>
+                </a:solidFill>
+              </a:rPr>
+              <a:t>Policy, a comprehensive health insurance plan that</a:t>
+            </a:r>
+            <a:r>
+              <a:rPr sz="1600">
+                <a:solidFill>
+                  <a:srgbClr val="FFFFFF"/>
+                </a:solidFill>
+              </a:rPr>
+              <a:t>offers coverage for hospitalization expenses</a:t>
+            </a:r>
+            <a:r>
+              <a:rPr sz="1600">
+                <a:solidFill>
+                  <a:srgbClr val="FFFFFF"/>
+                </a:solidFill>
+              </a:rPr>
+              <a:t>incurred due to illness or accident. It is</a:t>
+            </a:r>
+            <a:r>
+              <a:rPr sz="1600">
+                <a:solidFill>
+                  <a:srgbClr val="FFFFFF"/>
+                </a:solidFill>
+              </a:rPr>
+              <a:t>designed to cater to your health care needs and</a:t>
+            </a:r>
+            <a:r>
+              <a:rPr sz="1600">
+                <a:solidFill>
+                  <a:srgbClr val="FFFFFF"/>
+                </a:solidFill>
+              </a:rPr>
+              <a:t>provide financial security during medical</a:t>
+            </a:r>
+            <a:r>
+              <a:rPr sz="1600">
+                <a:solidFill>
+                  <a:srgbClr val="FFFFFF"/>
+                </a:solidFill>
+              </a:rPr>
+              <a:t>emergencies.</a:t>
             </a:r>
             <a:endParaRPr kumimoji="0" lang="en-US" altLang="en-US" i="0" u="none" strike="noStrike" cap="none" normalizeH="0" baseline="0" dirty="0">
               <a:ln>
@@ -997,7 +1045,7 @@
         </p:nvSpPr>
         <p:spPr>
           <a:xfrm>
-            <a:off x="473336" y="1975837"/>
+            <a:off x="473336" y="1791171"/>
             <a:ext cx="3084256" cy="369332"/>
           </a:xfrm>
           <a:prstGeom prst="rect">
@@ -1011,13 +1059,14 @@
           </a:bodyPr>
           <a:lstStyle/>
           <a:p>
+            <a:pPr algn="l"/>
             <a:r>
               <a:rPr sz="2500">
                 <a:solidFill>
                   <a:srgbClr val="FFFFFF"/>
                 </a:solidFill>
               </a:rPr>
-              <a:t>Llama 3:  A New Era of Open LLMs</a:t>
+              <a:t>Bajaj Allianz Health Guard</a:t>
             </a:r>
             <a:endParaRPr lang="en-IN" dirty="0">
               <a:solidFill>
@@ -1055,13 +1104,14 @@
           </a:bodyPr>
           <a:lstStyle/>
           <a:p>
+            <a:pPr algn="l"/>
             <a:r>
               <a:rPr b="1" sz="4000">
                 <a:solidFill>
                   <a:srgbClr val="FFFFFF"/>
                 </a:solidFill>
               </a:rPr>
-              <a:t>Llama 3 Architecture</a:t>
+              <a:t>Health Insurance</a:t>
             </a:r>
           </a:p>
         </p:txBody>
@@ -1162,7 +1212,7 @@
           <a:bodyPr wrap="none" rtlCol="0" anchor="t"/>
           <a:lstStyle/>
           <a:p>
-            <a:pPr marL="0" indent="0">
+            <a:pPr marL="0" indent="0" algn="l">
               <a:lnSpc>
                 <a:spcPts val="6074"/>
               </a:lnSpc>
@@ -1174,21 +1224,21 @@
                   <a:srgbClr val="FFFFFF"/>
                 </a:solidFill>
               </a:rPr>
-              <a:t>Llama 3:  The Evolution</a:t>
-            </a:r>
-          </a:p>
-        </p:txBody>
-      </p:sp>
-      <p:sp>
-        <p:nvSpPr>
-          <p:cNvPr id="5" name="Text 2"/>
+              <a:t>Overview</a:t>
+            </a:r>
+          </a:p>
+        </p:txBody>
+      </p:sp>
+      <p:sp>
+        <p:nvSpPr>
+          <p:cNvPr id="7" name="Text 4"/>
           <p:cNvSpPr/>
           <p:nvPr/>
         </p:nvSpPr>
         <p:spPr>
           <a:xfrm>
-            <a:off x="457020" y="1172409"/>
-            <a:ext cx="13309581" cy="394811"/>
+            <a:off x="457022" y="2491763"/>
+            <a:ext cx="4523771" cy="689351"/>
           </a:xfrm>
           <a:prstGeom prst="rect">
             <a:avLst/>
@@ -1197,107 +1247,106 @@
           <a:ln/>
         </p:spPr>
         <p:txBody>
-          <a:bodyPr wrap="none" rtlCol="0" anchor="t"/>
+          <a:bodyPr wrap="square" rtlCol="0" anchor="t"/>
           <a:lstStyle/>
           <a:p>
-            <a:pPr marL="0" indent="0">
+            <a:pPr marL="0" indent="0" algn="l">
               <a:lnSpc>
                 <a:spcPts val="3110"/>
               </a:lnSpc>
               <a:buNone/>
             </a:pPr>
             <a:r>
-              <a:rPr sz="2500">
-                <a:solidFill>
-                  <a:srgbClr val="FFFFFF"/>
-                </a:solidFill>
-              </a:rPr>
-              <a:t>Building upon Llama 2</a:t>
-            </a:r>
-            <a:endParaRPr lang="en-US" sz="1944" dirty="0">
-              <a:solidFill>
-                <a:schemeClr val="bg1"/>
-              </a:solidFill>
-            </a:endParaRPr>
-          </a:p>
-        </p:txBody>
-      </p:sp>
-      <p:sp>
-        <p:nvSpPr>
-          <p:cNvPr id="6" name="Text 3"/>
-          <p:cNvSpPr/>
-          <p:nvPr/>
-        </p:nvSpPr>
-        <p:spPr>
-          <a:xfrm>
-            <a:off x="457022" y="1872971"/>
-            <a:ext cx="4523770" cy="385524"/>
-          </a:xfrm>
-          <a:prstGeom prst="rect">
-            <a:avLst/>
-          </a:prstGeom>
-          <a:noFill/>
-          <a:ln/>
-        </p:spPr>
-        <p:txBody>
-          <a:bodyPr wrap="none" rtlCol="0" anchor="t"/>
-          <a:lstStyle/>
-          <a:p>
-            <a:pPr marL="0" indent="0">
-              <a:lnSpc>
-                <a:spcPts val="3037"/>
-              </a:lnSpc>
-              <a:buNone/>
-            </a:pPr>
-            <a:r>
-              <a:rPr sz="1600">
-                <a:solidFill>
-                  <a:srgbClr val="FFFFFF"/>
-                </a:solidFill>
-              </a:rPr>
-              <a:t>Llama 3 builds upon the success of Llama 2, addressing developer feedback and enhancing its capabilities.</a:t>
-            </a:r>
-          </a:p>
-        </p:txBody>
-      </p:sp>
-      <p:sp>
-        <p:nvSpPr>
-          <p:cNvPr id="7" name="Text 4"/>
-          <p:cNvSpPr/>
-          <p:nvPr/>
-        </p:nvSpPr>
-        <p:spPr>
-          <a:xfrm>
-            <a:off x="457022" y="2376508"/>
-            <a:ext cx="4523771" cy="1991098"/>
-          </a:xfrm>
-          <a:prstGeom prst="rect">
-            <a:avLst/>
-          </a:prstGeom>
-          <a:noFill/>
-          <a:ln/>
-        </p:spPr>
-        <p:txBody>
-          <a:bodyPr wrap="square" rtlCol="0" anchor="t"/>
-          <a:lstStyle/>
-          <a:p>
-            <a:pPr marL="0" indent="0">
-              <a:lnSpc>
-                <a:spcPts val="3110"/>
-              </a:lnSpc>
-              <a:buNone/>
-            </a:pPr>
-            <a:r>
-              <a:rPr sz="1600">
-                <a:solidFill>
-                  <a:srgbClr val="FFFFFF"/>
-                </a:solidFill>
-              </a:rPr>
-              <a:t>Key improvements include: \n\n  Increased helpfulness:  Llama 3 aims to be even more helpful and responsive to user queries.\n  State-of-the-art performance: Llama 3 sets a new benchmark for LLMs at its size.\n  Responsible use: Meta prioritizes responsible development and deployment of Llama 3. </a:t>
-            </a:r>
-          </a:p>
-          <a:p>
-            <a:pPr marL="0" indent="0">
+              <a:rPr sz="1600">
+                <a:solidFill>
+                  <a:srgbClr val="FFFFFF"/>
+                </a:solidFill>
+              </a:rPr>
+              <a:t>Bajaj Allianz Health Guard Policy provides</a:t>
+            </a:r>
+            <a:r>
+              <a:rPr sz="1600">
+                <a:solidFill>
+                  <a:srgbClr val="FFFFFF"/>
+                </a:solidFill>
+              </a:rPr>
+              <a:t>comprehensive coverage for hospitalization</a:t>
+            </a:r>
+            <a:r>
+              <a:rPr sz="1600">
+                <a:solidFill>
+                  <a:srgbClr val="FFFFFF"/>
+                </a:solidFill>
+              </a:rPr>
+              <a:t>expenses arising from illness or accidental</a:t>
+            </a:r>
+            <a:r>
+              <a:rPr sz="1600">
+                <a:solidFill>
+                  <a:srgbClr val="FFFFFF"/>
+                </a:solidFill>
+              </a:rPr>
+              <a:t>injuries. It offers various plans and sum insured</a:t>
+            </a:r>
+            <a:r>
+              <a:rPr sz="1600">
+                <a:solidFill>
+                  <a:srgbClr val="FFFFFF"/>
+                </a:solidFill>
+              </a:rPr>
+              <a:t>options to suit your individual needs and budget.</a:t>
+            </a:r>
+            <a:r>
+              <a:rPr sz="1600">
+                <a:solidFill>
+                  <a:srgbClr val="FFFFFF"/>
+                </a:solidFill>
+              </a:rPr>
+              <a:t>The policy includes benefits such as in-patient</a:t>
+            </a:r>
+            <a:r>
+              <a:rPr sz="1600">
+                <a:solidFill>
+                  <a:srgbClr val="FFFFFF"/>
+                </a:solidFill>
+              </a:rPr>
+              <a:t>hospitalization, pre and post hospitalization,</a:t>
+            </a:r>
+            <a:r>
+              <a:rPr sz="1600">
+                <a:solidFill>
+                  <a:srgbClr val="FFFFFF"/>
+                </a:solidFill>
+              </a:rPr>
+              <a:t>road ambulance, organ donor expenses, and more. It</a:t>
+            </a:r>
+            <a:r>
+              <a:rPr sz="1600">
+                <a:solidFill>
+                  <a:srgbClr val="FFFFFF"/>
+                </a:solidFill>
+              </a:rPr>
+              <a:t>also provides coverage for maternity expenses,</a:t>
+            </a:r>
+            <a:r>
+              <a:rPr sz="1600">
+                <a:solidFill>
+                  <a:srgbClr val="FFFFFF"/>
+                </a:solidFill>
+              </a:rPr>
+              <a:t>bariatric surgery, AYUSH treatment, and preventive</a:t>
+            </a:r>
+            <a:r>
+              <a:rPr sz="1600">
+                <a:solidFill>
+                  <a:srgbClr val="FFFFFF"/>
+                </a:solidFill>
+              </a:rPr>
+              <a:t>health checkups.</a:t>
+            </a:r>
+          </a:p>
+          <a:p>
+            <a:pPr marL="0" indent="0" algn="l">
               <a:lnSpc>
                 <a:spcPts val="3110"/>
               </a:lnSpc>
@@ -1310,7 +1359,7 @@
             </a:endParaRPr>
           </a:p>
           <a:p>
-            <a:pPr marL="0" indent="0">
+            <a:pPr marL="0" indent="0" algn="l">
               <a:lnSpc>
                 <a:spcPts val="3110"/>
               </a:lnSpc>
@@ -1323,7 +1372,7 @@
             </a:endParaRPr>
           </a:p>
           <a:p>
-            <a:pPr marL="0" indent="0">
+            <a:pPr marL="0" indent="0" algn="l">
               <a:lnSpc>
                 <a:spcPts val="3110"/>
               </a:lnSpc>
@@ -1351,7 +1400,7 @@
         </p:nvSpPr>
         <p:spPr>
           <a:xfrm>
-            <a:off x="5799117" y="1676946"/>
+            <a:off x="10980583" y="690057"/>
             <a:ext cx="2064723" cy="1754326"/>
           </a:xfrm>
           <a:prstGeom prst="rect">
@@ -1371,7 +1420,7 @@
                   <a:srgbClr val="0000FF"/>
                 </a:solidFill>
               </a:rPr>
-              <a:t>https://encrypted-tbn0.gstatic.com/images?q=tbn:ANd9GcReK42oUp2KxxKz8emRIuRVNkYE7S18fYB4O_e8Ku7urQH8diqLjaQm5VBFrg&amp;s</a:t>
+              <a:t>https://encrypted-tbn0.gstatic.com/images?q=tbn:ANd9GcTIzRPleIh5fz3_buUHVIqL-28PDH5r9_XoMOv0D8D51EDeRvPi_ruK7x1dxE8&amp;s</a:t>
             </a:r>
             <a:endParaRPr lang="en-IN" dirty="0">
               <a:solidFill>
@@ -1413,50 +1462,6 @@
                 <a:schemeClr val="bg1"/>
               </a:solidFill>
             </a:endParaRPr>
-          </a:p>
-        </p:txBody>
-      </p:sp>
-      <p:sp>
-        <p:nvSpPr>
-          <p:cNvPr id="17" name="Text 3">
-            <a:extLst>
-              <a:ext uri="{FF2B5EF4-FFF2-40B4-BE49-F238E27FC236}">
-                <a16:creationId xmlns:a16="http://schemas.microsoft.com/office/drawing/2014/main" id="{4F9D1B3C-4B81-ACCB-479B-A9D6CC911B96}"/>
-              </a:ext>
-            </a:extLst>
-          </p:cNvPr>
-          <p:cNvSpPr/>
-          <p:nvPr/>
-        </p:nvSpPr>
-        <p:spPr>
-          <a:xfrm>
-            <a:off x="457022" y="4909800"/>
-            <a:ext cx="4523771" cy="385524"/>
-          </a:xfrm>
-          <a:prstGeom prst="rect">
-            <a:avLst/>
-          </a:prstGeom>
-          <a:noFill/>
-          <a:ln/>
-        </p:spPr>
-        <p:txBody>
-          <a:bodyPr wrap="none" rtlCol="0" anchor="t"/>
-          <a:lstStyle/>
-          <a:p>
-            <a:pPr marL="0" indent="0">
-              <a:lnSpc>
-                <a:spcPts val="3037"/>
-              </a:lnSpc>
-              <a:buNone/>
-            </a:pPr>
-            <a:r>
-              <a:rPr sz="1600">
-                <a:solidFill>
-                  <a:srgbClr val="FFFFFF"/>
-                </a:solidFill>
-              </a:rPr>
-              <a:t>Llama 3:  A Community Effort</a:t>
-            </a:r>
           </a:p>
         </p:txBody>
       </p:sp>
@@ -1474,8 +1479,8 @@
         </p:nvSpPr>
         <p:spPr>
           <a:xfrm>
-            <a:off x="457022" y="5485537"/>
-            <a:ext cx="4523771" cy="1051631"/>
+            <a:off x="457022" y="5485538"/>
+            <a:ext cx="4781952" cy="689351"/>
           </a:xfrm>
           <a:prstGeom prst="rect">
             <a:avLst/>
@@ -1487,7 +1492,7 @@
           <a:bodyPr wrap="square" rtlCol="0" anchor="t"/>
           <a:lstStyle/>
           <a:p>
-            <a:pPr marL="0" indent="0">
+            <a:pPr marL="0" indent="0" algn="l">
               <a:lnSpc>
                 <a:spcPts val="3110"/>
               </a:lnSpc>
@@ -1499,139 +1504,39 @@
                   <a:srgbClr val="FFFFFF"/>
                 </a:solidFill>
               </a:rPr>
-              <a:t>Meta believes in an open approach to AI development.  Llama 3 is released under an open license, encouraging innovation and collaboration.</a:t>
-            </a:r>
-          </a:p>
-        </p:txBody>
-      </p:sp>
-      <p:sp>
-        <p:nvSpPr>
-          <p:cNvPr id="19" name="Text 3">
-            <a:extLst>
-              <a:ext uri="{FF2B5EF4-FFF2-40B4-BE49-F238E27FC236}">
-                <a16:creationId xmlns:a16="http://schemas.microsoft.com/office/drawing/2014/main" id="{A03A7C3B-AB33-7ABC-DB9D-299900F8B78A}"/>
-              </a:ext>
-            </a:extLst>
-          </p:cNvPr>
-          <p:cNvSpPr/>
-          <p:nvPr/>
-        </p:nvSpPr>
-        <p:spPr>
-          <a:xfrm>
-            <a:off x="9852514" y="1872971"/>
-            <a:ext cx="4356996" cy="385524"/>
-          </a:xfrm>
-          <a:prstGeom prst="rect">
-            <a:avLst/>
-          </a:prstGeom>
-          <a:noFill/>
-          <a:ln/>
-        </p:spPr>
-        <p:txBody>
-          <a:bodyPr wrap="none" rtlCol="0" anchor="t"/>
-          <a:lstStyle/>
-          <a:p>
-            <a:pPr marL="0" indent="0">
-              <a:lnSpc>
-                <a:spcPts val="3037"/>
-              </a:lnSpc>
-              <a:buNone/>
-            </a:pPr>
-            <a:r>
-              <a:rPr sz="1600">
-                <a:solidFill>
-                  <a:srgbClr val="FFFFFF"/>
-                </a:solidFill>
-              </a:rPr>
-              <a:t>Llama 3 Goals</a:t>
-            </a:r>
-          </a:p>
-        </p:txBody>
-      </p:sp>
-      <p:sp>
-        <p:nvSpPr>
-          <p:cNvPr id="20" name="Text 4">
-            <a:extLst>
-              <a:ext uri="{FF2B5EF4-FFF2-40B4-BE49-F238E27FC236}">
-                <a16:creationId xmlns:a16="http://schemas.microsoft.com/office/drawing/2014/main" id="{2D57D28B-6153-D48D-4765-C0172E613462}"/>
-              </a:ext>
-            </a:extLst>
-          </p:cNvPr>
-          <p:cNvSpPr/>
-          <p:nvPr/>
-        </p:nvSpPr>
-        <p:spPr>
-          <a:xfrm>
-            <a:off x="9852514" y="2413696"/>
-            <a:ext cx="4356997" cy="1891314"/>
-          </a:xfrm>
-          <a:prstGeom prst="rect">
-            <a:avLst/>
-          </a:prstGeom>
-          <a:noFill/>
-          <a:ln/>
-        </p:spPr>
-        <p:txBody>
-          <a:bodyPr wrap="square" rtlCol="0" anchor="t"/>
-          <a:lstStyle/>
-          <a:p>
-            <a:pPr marL="0" indent="0">
-              <a:lnSpc>
-                <a:spcPts val="3110"/>
-              </a:lnSpc>
-              <a:buNone/>
-            </a:pPr>
-            <a:r>
-              <a:rPr sz="1600">
-                <a:solidFill>
-                  <a:srgbClr val="FFFFFF"/>
-                </a:solidFill>
-              </a:rPr>
-              <a:t>Meta's goals for Llama 3 are:\n\n  Build the best open LLMs:  To rival proprietary models in performance and capability.\n  Address developer feedback: To improve the overall helpfulness and usability of Llama 3.\n  Lead in responsible AI: To promote the ethical and safe use of LLMs. </a:t>
-            </a:r>
-          </a:p>
-        </p:txBody>
-      </p:sp>
-      <p:sp>
-        <p:nvSpPr>
-          <p:cNvPr id="21" name="Text 3">
-            <a:extLst>
-              <a:ext uri="{FF2B5EF4-FFF2-40B4-BE49-F238E27FC236}">
-                <a16:creationId xmlns:a16="http://schemas.microsoft.com/office/drawing/2014/main" id="{9173B061-F20D-C55E-BF84-1552EF800B53}"/>
-              </a:ext>
-            </a:extLst>
-          </p:cNvPr>
-          <p:cNvSpPr/>
-          <p:nvPr/>
-        </p:nvSpPr>
-        <p:spPr>
-          <a:xfrm>
-            <a:off x="9852515" y="4370168"/>
-            <a:ext cx="4356996" cy="385524"/>
-          </a:xfrm>
-          <a:prstGeom prst="rect">
-            <a:avLst/>
-          </a:prstGeom>
-          <a:noFill/>
-          <a:ln/>
-        </p:spPr>
-        <p:txBody>
-          <a:bodyPr wrap="none" rtlCol="0" anchor="t"/>
-          <a:lstStyle/>
-          <a:p>
-            <a:pPr marL="0" indent="0">
-              <a:lnSpc>
-                <a:spcPts val="3037"/>
-              </a:lnSpc>
-              <a:buNone/>
-            </a:pPr>
-            <a:r>
-              <a:rPr sz="1600">
-                <a:solidFill>
-                  <a:srgbClr val="FFFFFF"/>
-                </a:solidFill>
-              </a:rPr>
-              <a:t>Future of Llama 3</a:t>
+              <a:t>The policy also offers optional covers like air</a:t>
+            </a:r>
+            <a:r>
+              <a:rPr sz="1600">
+                <a:solidFill>
+                  <a:srgbClr val="FFFFFF"/>
+                </a:solidFill>
+              </a:rPr>
+              <a:t>ambulance and voluntary aggregate deductible for</a:t>
+            </a:r>
+            <a:r>
+              <a:rPr sz="1600">
+                <a:solidFill>
+                  <a:srgbClr val="FFFFFF"/>
+                </a:solidFill>
+              </a:rPr>
+              <a:t>additional protection. The premium rates vary</a:t>
+            </a:r>
+            <a:r>
+              <a:rPr sz="1600">
+                <a:solidFill>
+                  <a:srgbClr val="FFFFFF"/>
+                </a:solidFill>
+              </a:rPr>
+              <a:t>based on factors like age, sum insured, and</a:t>
+            </a:r>
+            <a:r>
+              <a:rPr sz="1600">
+                <a:solidFill>
+                  <a:srgbClr val="FFFFFF"/>
+                </a:solidFill>
+              </a:rPr>
+              <a:t>coverage zone.</a:t>
             </a:r>
           </a:p>
         </p:txBody>
@@ -1650,8 +1555,8 @@
         </p:nvSpPr>
         <p:spPr>
           <a:xfrm>
-            <a:off x="9852515" y="4909800"/>
-            <a:ext cx="4356997" cy="2118714"/>
+            <a:off x="9852515" y="4496928"/>
+            <a:ext cx="4320861" cy="689351"/>
           </a:xfrm>
           <a:prstGeom prst="rect">
             <a:avLst/>
@@ -1663,7 +1568,7 @@
           <a:bodyPr wrap="square" rtlCol="0" anchor="t"/>
           <a:lstStyle/>
           <a:p>
-            <a:pPr marL="0" indent="0">
+            <a:pPr marL="0" indent="0" algn="l">
               <a:lnSpc>
                 <a:spcPts val="3110"/>
               </a:lnSpc>
@@ -1675,8 +1580,203 @@
                   <a:srgbClr val="FFFFFF"/>
                 </a:solidFill>
               </a:rPr>
-              <a:t>Meta plans to expand Llama 3 in the future by adding:\n\n  Multilingual support\n  Multimodal capabilities\n  Longer context windows\n  Continual performance improvements  </a:t>
-            </a:r>
+              <a:t>To purchase the policy, you need to fill a</a:t>
+            </a:r>
+            <a:r>
+              <a:rPr sz="1600">
+                <a:solidFill>
+                  <a:srgbClr val="FFFFFF"/>
+                </a:solidFill>
+              </a:rPr>
+              <a:t>proposal form, undergo a medical examination (if</a:t>
+            </a:r>
+            <a:r>
+              <a:rPr sz="1600">
+                <a:solidFill>
+                  <a:srgbClr val="FFFFFF"/>
+                </a:solidFill>
+              </a:rPr>
+              <a:t>required), and pay the premium. The policy</a:t>
+            </a:r>
+            <a:r>
+              <a:rPr sz="1600">
+                <a:solidFill>
+                  <a:srgbClr val="FFFFFF"/>
+                </a:solidFill>
+              </a:rPr>
+              <a:t>provides a free look period and portability</a:t>
+            </a:r>
+            <a:r>
+              <a:rPr sz="1600">
+                <a:solidFill>
+                  <a:srgbClr val="FFFFFF"/>
+                </a:solidFill>
+              </a:rPr>
+              <a:t>options. In case of a claim, you need to submit</a:t>
+            </a:r>
+            <a:r>
+              <a:rPr sz="1600">
+                <a:solidFill>
+                  <a:srgbClr val="FFFFFF"/>
+                </a:solidFill>
+              </a:rPr>
+              <a:t>the necessary documents to the company for</a:t>
+            </a:r>
+            <a:r>
+              <a:rPr sz="1600">
+                <a:solidFill>
+                  <a:srgbClr val="FFFFFF"/>
+                </a:solidFill>
+              </a:rPr>
+              <a:t>processing.</a:t>
+            </a:r>
+          </a:p>
+        </p:txBody>
+      </p:sp>
+      <p:sp>
+        <p:nvSpPr>
+          <p:cNvPr id="8" name="Text 4">
+            <a:extLst>
+              <a:ext uri="{FF2B5EF4-FFF2-40B4-BE49-F238E27FC236}">
+                <a16:creationId xmlns:a16="http://schemas.microsoft.com/office/drawing/2014/main" id="{D631EF38-BDDB-9EA3-42F8-2D144D62149F}"/>
+              </a:ext>
+            </a:extLst>
+          </p:cNvPr>
+          <p:cNvSpPr/>
+          <p:nvPr/>
+        </p:nvSpPr>
+        <p:spPr>
+          <a:xfrm>
+            <a:off x="457022" y="5044181"/>
+            <a:ext cx="4781952" cy="452336"/>
+          </a:xfrm>
+          <a:prstGeom prst="rect">
+            <a:avLst/>
+          </a:prstGeom>
+          <a:noFill/>
+          <a:ln/>
+        </p:spPr>
+        <p:txBody>
+          <a:bodyPr wrap="square" rtlCol="0" anchor="t"/>
+          <a:lstStyle/>
+          <a:p>
+            <a:pPr marL="0" indent="0" algn="l">
+              <a:lnSpc>
+                <a:spcPts val="3110"/>
+              </a:lnSpc>
+              <a:buNone/>
+            </a:pPr>
+            <a:r>
+              <a:rPr sz="2500">
+                <a:solidFill>
+                  <a:srgbClr val="FFFFFF"/>
+                </a:solidFill>
+              </a:rPr>
+              <a:t>Key Features</a:t>
+            </a:r>
+            <a:endParaRPr lang="en-US" sz="1944" dirty="0">
+              <a:solidFill>
+                <a:schemeClr val="bg1"/>
+              </a:solidFill>
+            </a:endParaRPr>
+          </a:p>
+        </p:txBody>
+      </p:sp>
+      <p:sp>
+        <p:nvSpPr>
+          <p:cNvPr id="9" name="Text 4">
+            <a:extLst>
+              <a:ext uri="{FF2B5EF4-FFF2-40B4-BE49-F238E27FC236}">
+                <a16:creationId xmlns:a16="http://schemas.microsoft.com/office/drawing/2014/main" id="{DF3D223B-BDBC-627A-5E06-4AEC7C165C28}"/>
+              </a:ext>
+            </a:extLst>
+          </p:cNvPr>
+          <p:cNvSpPr/>
+          <p:nvPr/>
+        </p:nvSpPr>
+        <p:spPr>
+          <a:xfrm>
+            <a:off x="9852515" y="4006792"/>
+            <a:ext cx="4046365" cy="489904"/>
+          </a:xfrm>
+          <a:prstGeom prst="rect">
+            <a:avLst/>
+          </a:prstGeom>
+          <a:noFill/>
+          <a:ln/>
+        </p:spPr>
+        <p:txBody>
+          <a:bodyPr wrap="square" rtlCol="0" anchor="t"/>
+          <a:lstStyle/>
+          <a:p>
+            <a:pPr marL="0" indent="0" algn="l">
+              <a:lnSpc>
+                <a:spcPts val="3110"/>
+              </a:lnSpc>
+              <a:buNone/>
+            </a:pPr>
+            <a:r>
+              <a:rPr sz="2500">
+                <a:solidFill>
+                  <a:srgbClr val="FFFFFF"/>
+                </a:solidFill>
+              </a:rPr>
+              <a:t>Policy Purchase</a:t>
+            </a:r>
+            <a:endParaRPr lang="en-US" sz="1944" dirty="0">
+              <a:solidFill>
+                <a:schemeClr val="bg1"/>
+              </a:solidFill>
+            </a:endParaRPr>
+          </a:p>
+        </p:txBody>
+      </p:sp>
+      <p:sp>
+        <p:nvSpPr>
+          <p:cNvPr id="10" name="Text 4">
+            <a:extLst>
+              <a:ext uri="{FF2B5EF4-FFF2-40B4-BE49-F238E27FC236}">
+                <a16:creationId xmlns:a16="http://schemas.microsoft.com/office/drawing/2014/main" id="{7E9518B8-4950-96A8-9602-7F8B17882EE8}"/>
+              </a:ext>
+            </a:extLst>
+          </p:cNvPr>
+          <p:cNvSpPr/>
+          <p:nvPr/>
+        </p:nvSpPr>
+        <p:spPr>
+          <a:xfrm>
+            <a:off x="457020" y="1992047"/>
+            <a:ext cx="4781952" cy="452336"/>
+          </a:xfrm>
+          <a:prstGeom prst="rect">
+            <a:avLst/>
+          </a:prstGeom>
+          <a:noFill/>
+          <a:ln/>
+        </p:spPr>
+        <p:txBody>
+          <a:bodyPr wrap="square" rtlCol="0" anchor="t"/>
+          <a:lstStyle/>
+          <a:p>
+            <a:pPr marL="0" indent="0" algn="l">
+              <a:lnSpc>
+                <a:spcPts val="3110"/>
+              </a:lnSpc>
+              <a:buNone/>
+            </a:pPr>
+            <a:r>
+              <a:rPr sz="2500">
+                <a:solidFill>
+                  <a:srgbClr val="FFFFFF"/>
+                </a:solidFill>
+              </a:rPr>
+              <a:t>Benefits</a:t>
+            </a:r>
+            <a:endParaRPr lang="en-US" sz="1944" dirty="0">
+              <a:solidFill>
+                <a:schemeClr val="bg1"/>
+              </a:solidFill>
+            </a:endParaRPr>
           </a:p>
         </p:txBody>
       </p:sp>
@@ -1764,7 +1864,7 @@
         <p:spPr>
           <a:xfrm>
             <a:off x="635676" y="373038"/>
-            <a:ext cx="7429474" cy="701873"/>
+            <a:ext cx="5496183" cy="701873"/>
           </a:xfrm>
           <a:prstGeom prst="rect">
             <a:avLst/>
@@ -1776,7 +1876,7 @@
           <a:bodyPr wrap="none" rtlCol="0" anchor="t"/>
           <a:lstStyle/>
           <a:p>
-            <a:pPr marL="0" indent="0">
+            <a:pPr marL="0" indent="0" algn="l">
               <a:lnSpc>
                 <a:spcPts val="5526"/>
               </a:lnSpc>
@@ -1788,51 +1888,8 @@
                   <a:srgbClr val="FFFFFF"/>
                 </a:solidFill>
               </a:rPr>
-              <a:t>Llama 3 Architecture</a:t>
-            </a:r>
-          </a:p>
-        </p:txBody>
-      </p:sp>
-      <p:sp>
-        <p:nvSpPr>
-          <p:cNvPr id="7" name="Text 2"/>
-          <p:cNvSpPr/>
-          <p:nvPr/>
-        </p:nvSpPr>
-        <p:spPr>
-          <a:xfrm>
-            <a:off x="549614" y="1781823"/>
-            <a:ext cx="8777265" cy="795163"/>
-          </a:xfrm>
-          <a:prstGeom prst="rect">
-            <a:avLst/>
-          </a:prstGeom>
-          <a:noFill/>
-          <a:ln/>
-        </p:spPr>
-        <p:txBody>
-          <a:bodyPr wrap="none" rtlCol="0" anchor="t"/>
-          <a:lstStyle/>
-          <a:p>
-            <a:pPr marL="0" indent="0">
-              <a:lnSpc>
-                <a:spcPts val="2829"/>
-              </a:lnSpc>
-              <a:buNone/>
-            </a:pPr>
-            <a:r>
-              <a:rPr sz="2500">
-                <a:solidFill>
-                  <a:srgbClr val="FFFFFF"/>
-                </a:solidFill>
-              </a:rPr>
-              <a:t>Key Design Components</a:t>
-            </a:r>
-            <a:endParaRPr lang="en-US" sz="1768" dirty="0">
-              <a:solidFill>
-                <a:schemeClr val="bg1"/>
-              </a:solidFill>
-            </a:endParaRPr>
+              <a:t>Plans</a:t>
+            </a:r>
           </a:p>
         </p:txBody>
       </p:sp>
@@ -1915,14 +1972,14 @@
       </p:sp>
       <p:sp>
         <p:nvSpPr>
-          <p:cNvPr id="10" name="Text 5"/>
+          <p:cNvPr id="11" name="Text 6"/>
           <p:cNvSpPr/>
           <p:nvPr/>
         </p:nvSpPr>
         <p:spPr>
           <a:xfrm>
-            <a:off x="1365528" y="2413621"/>
-            <a:ext cx="2807256" cy="350877"/>
+            <a:off x="1365529" y="2929832"/>
+            <a:ext cx="4088598" cy="632055"/>
           </a:xfrm>
           <a:prstGeom prst="rect">
             <a:avLst/>
@@ -1931,48 +1988,10 @@
           <a:ln/>
         </p:spPr>
         <p:txBody>
-          <a:bodyPr wrap="none" rtlCol="0" anchor="t"/>
-          <a:lstStyle/>
-          <a:p>
-            <a:pPr marL="0" indent="0">
-              <a:lnSpc>
-                <a:spcPts val="2763"/>
-              </a:lnSpc>
-              <a:buNone/>
-            </a:pPr>
-            <a:r>
-              <a:rPr sz="1600">
-                <a:solidFill>
-                  <a:srgbClr val="FFFFFF"/>
-                </a:solidFill>
-              </a:rPr>
-              <a:t>Decoder-Only Transformer Architecture</a:t>
-            </a:r>
-          </a:p>
-        </p:txBody>
-      </p:sp>
-      <p:sp>
-        <p:nvSpPr>
-          <p:cNvPr id="11" name="Text 6"/>
-          <p:cNvSpPr/>
-          <p:nvPr/>
-        </p:nvSpPr>
-        <p:spPr>
-          <a:xfrm>
-            <a:off x="1365528" y="2899157"/>
-            <a:ext cx="3798143" cy="1796058"/>
-          </a:xfrm>
-          <a:prstGeom prst="rect">
-            <a:avLst/>
-          </a:prstGeom>
-          <a:noFill/>
-          <a:ln/>
-        </p:spPr>
-        <p:txBody>
           <a:bodyPr wrap="square" rtlCol="0" anchor="t"/>
           <a:lstStyle/>
           <a:p>
-            <a:pPr marL="0" indent="0">
+            <a:pPr marL="0" indent="0" algn="l">
               <a:lnSpc>
                 <a:spcPts val="2829"/>
               </a:lnSpc>
@@ -1984,7 +2003,23 @@
                   <a:srgbClr val="FFFFFF"/>
                 </a:solidFill>
               </a:rPr>
-              <a:t>Llama 3 utilizes a standard decoder-only transformer architecture with key improvements: \n\n  Larger Vocabulary: A 128K token vocabulary for more efficient language encoding.\n  Grouped Query Attention (GQA): Enhances inference efficiency across 8B and 70B models.\n  Longer Sequence Length: Trained on 8,192 tokens, enabling processing of larger inputs.</a:t>
+              <a:t>The Health Guard Policy offers three plans:</a:t>
+            </a:r>
+            <a:r>
+              <a:rPr sz="1600">
+                <a:solidFill>
+                  <a:srgbClr val="FFFFFF"/>
+                </a:solidFill>
+              </a:rPr>
+              <a:t>Silver, Gold, and Platinum. Each plan has</a:t>
+            </a:r>
+            <a:r>
+              <a:rPr sz="1600">
+                <a:solidFill>
+                  <a:srgbClr val="FFFFFF"/>
+                </a:solidFill>
+              </a:rPr>
+              <a:t>different coverage options and sum insured limits.</a:t>
             </a:r>
           </a:p>
         </p:txBody>
@@ -2068,14 +2103,14 @@
       </p:sp>
       <p:sp>
         <p:nvSpPr>
-          <p:cNvPr id="14" name="Text 9"/>
+          <p:cNvPr id="15" name="Text 10"/>
           <p:cNvSpPr/>
           <p:nvPr/>
         </p:nvSpPr>
         <p:spPr>
           <a:xfrm>
-            <a:off x="1365528" y="5220799"/>
-            <a:ext cx="2807256" cy="350877"/>
+            <a:off x="1365529" y="5761950"/>
+            <a:ext cx="4088598" cy="632055"/>
           </a:xfrm>
           <a:prstGeom prst="rect">
             <a:avLst/>
@@ -2084,48 +2119,10 @@
           <a:ln/>
         </p:spPr>
         <p:txBody>
-          <a:bodyPr wrap="none" rtlCol="0" anchor="t"/>
-          <a:lstStyle/>
-          <a:p>
-            <a:pPr marL="0" indent="0">
-              <a:lnSpc>
-                <a:spcPts val="2763"/>
-              </a:lnSpc>
-              <a:buNone/>
-            </a:pPr>
-            <a:r>
-              <a:rPr sz="1600">
-                <a:solidFill>
-                  <a:srgbClr val="FFFFFF"/>
-                </a:solidFill>
-              </a:rPr>
-              <a:t>Training Data</a:t>
-            </a:r>
-          </a:p>
-        </p:txBody>
-      </p:sp>
-      <p:sp>
-        <p:nvSpPr>
-          <p:cNvPr id="15" name="Text 10"/>
-          <p:cNvSpPr/>
-          <p:nvPr/>
-        </p:nvSpPr>
-        <p:spPr>
-          <a:xfrm>
-            <a:off x="1365528" y="5706334"/>
-            <a:ext cx="4142387" cy="1796057"/>
-          </a:xfrm>
-          <a:prstGeom prst="rect">
-            <a:avLst/>
-          </a:prstGeom>
-          <a:noFill/>
-          <a:ln/>
-        </p:spPr>
-        <p:txBody>
           <a:bodyPr wrap="square" rtlCol="0" anchor="t"/>
           <a:lstStyle/>
           <a:p>
-            <a:pPr marL="0" indent="0">
+            <a:pPr marL="0" indent="0" algn="l">
               <a:lnSpc>
                 <a:spcPts val="2829"/>
               </a:lnSpc>
@@ -2137,7 +2134,63 @@
                   <a:srgbClr val="FFFFFF"/>
                 </a:solidFill>
               </a:rPr>
-              <a:t>Llama 3 is trained on a massive dataset of 15T tokens. This data includes:\n\n  Publicly Available Sources:  Diverse range of text and code.\n  Multilingual Data: Over 30 languages are included, supporting future multilingual use cases.\n  Rigorous Data Filtering:  Multiple pipelines ensure high-quality data.</a:t>
+              <a:t>The Silver Plan provides basic coverage for in-</a:t>
+            </a:r>
+            <a:r>
+              <a:rPr sz="1600">
+                <a:solidFill>
+                  <a:srgbClr val="FFFFFF"/>
+                </a:solidFill>
+              </a:rPr>
+              <a:t>patient hospitalization, road ambulance, and other</a:t>
+            </a:r>
+            <a:r>
+              <a:rPr sz="1600">
+                <a:solidFill>
+                  <a:srgbClr val="FFFFFF"/>
+                </a:solidFill>
+              </a:rPr>
+              <a:t>essential benefits. The Gold Plan offers enhanced</a:t>
+            </a:r>
+            <a:r>
+              <a:rPr sz="1600">
+                <a:solidFill>
+                  <a:srgbClr val="FFFFFF"/>
+                </a:solidFill>
+              </a:rPr>
+              <a:t>coverage for maternity expenses, bariatric</a:t>
+            </a:r>
+            <a:r>
+              <a:rPr sz="1600">
+                <a:solidFill>
+                  <a:srgbClr val="FFFFFF"/>
+                </a:solidFill>
+              </a:rPr>
+              <a:t>surgery, and preventive health checkups. The</a:t>
+            </a:r>
+            <a:r>
+              <a:rPr sz="1600">
+                <a:solidFill>
+                  <a:srgbClr val="FFFFFF"/>
+                </a:solidFill>
+              </a:rPr>
+              <a:t>Platinum Plan provides comprehensive coverage with</a:t>
+            </a:r>
+            <a:r>
+              <a:rPr sz="1600">
+                <a:solidFill>
+                  <a:srgbClr val="FFFFFF"/>
+                </a:solidFill>
+              </a:rPr>
+              <a:t>additional benefits such as super cumulative</a:t>
+            </a:r>
+            <a:r>
+              <a:rPr sz="1600">
+                <a:solidFill>
+                  <a:srgbClr val="FFFFFF"/>
+                </a:solidFill>
+              </a:rPr>
+              <a:t>bonus, recharge benefit, and air ambulance.</a:t>
             </a:r>
           </a:p>
         </p:txBody>
@@ -2221,14 +2274,14 @@
       </p:sp>
       <p:sp>
         <p:nvSpPr>
-          <p:cNvPr id="18" name="Text 13"/>
+          <p:cNvPr id="19" name="Text 14"/>
           <p:cNvSpPr/>
           <p:nvPr/>
         </p:nvSpPr>
         <p:spPr>
           <a:xfrm>
-            <a:off x="10606346" y="3749884"/>
-            <a:ext cx="2881789" cy="350877"/>
+            <a:off x="10606346" y="4255185"/>
+            <a:ext cx="3641913" cy="1204887"/>
           </a:xfrm>
           <a:prstGeom prst="rect">
             <a:avLst/>
@@ -2237,48 +2290,10 @@
           <a:ln/>
         </p:spPr>
         <p:txBody>
-          <a:bodyPr wrap="none" rtlCol="0" anchor="t"/>
-          <a:lstStyle/>
-          <a:p>
-            <a:pPr marL="0" indent="0">
-              <a:lnSpc>
-                <a:spcPts val="2763"/>
-              </a:lnSpc>
-              <a:buNone/>
-            </a:pPr>
-            <a:r>
-              <a:rPr sz="1600">
-                <a:solidFill>
-                  <a:srgbClr val="FFFFFF"/>
-                </a:solidFill>
-              </a:rPr>
-              <a:t>Scaling Up Pretraining</a:t>
-            </a:r>
-          </a:p>
-        </p:txBody>
-      </p:sp>
-      <p:sp>
-        <p:nvSpPr>
-          <p:cNvPr id="19" name="Text 14"/>
-          <p:cNvSpPr/>
-          <p:nvPr/>
-        </p:nvSpPr>
-        <p:spPr>
-          <a:xfrm>
-            <a:off x="10606346" y="4235420"/>
-            <a:ext cx="3473291" cy="2652256"/>
-          </a:xfrm>
-          <a:prstGeom prst="rect">
-            <a:avLst/>
-          </a:prstGeom>
-          <a:noFill/>
-          <a:ln/>
-        </p:spPr>
-        <p:txBody>
           <a:bodyPr wrap="square" rtlCol="0" anchor="t"/>
           <a:lstStyle/>
           <a:p>
-            <a:pPr marL="0" indent="0">
+            <a:pPr marL="0" indent="0" algn="l">
               <a:lnSpc>
                 <a:spcPts val="2829"/>
               </a:lnSpc>
@@ -2290,7 +2305,31 @@
                   <a:srgbClr val="FFFFFF"/>
                 </a:solidFill>
               </a:rPr>
-              <a:t>To optimize training, Meta developed scaling laws to guide the training process. This included:\n\n  Data Mix Optimization: Selecting the best data mix for various use cases.\n  Efficient Compute Utilization:  Maximizing GPU uptime and reducing training time.\n  Predicting Performance:  Evaluating model performance on key tasks before training.</a:t>
+              <a:t>The sum insured options vary for each plan,</a:t>
+            </a:r>
+            <a:r>
+              <a:rPr sz="1600">
+                <a:solidFill>
+                  <a:srgbClr val="FFFFFF"/>
+                </a:solidFill>
+              </a:rPr>
+              <a:t>ranging from Rs. 1.5 Lacs to Rs. 1 Crore. You can</a:t>
+            </a:r>
+            <a:r>
+              <a:rPr sz="1600">
+                <a:solidFill>
+                  <a:srgbClr val="FFFFFF"/>
+                </a:solidFill>
+              </a:rPr>
+              <a:t>choose the plan and sum insured that best suits</a:t>
+            </a:r>
+            <a:r>
+              <a:rPr sz="1600">
+                <a:solidFill>
+                  <a:srgbClr val="FFFFFF"/>
+                </a:solidFill>
+              </a:rPr>
+              <a:t>your needs and financial capacity.</a:t>
             </a:r>
           </a:p>
         </p:txBody>
@@ -2309,7 +2348,7 @@
         </p:nvSpPr>
         <p:spPr>
           <a:xfrm>
-            <a:off x="9876493" y="524392"/>
+            <a:off x="11441003" y="386249"/>
             <a:ext cx="2807256" cy="2585323"/>
           </a:xfrm>
           <a:prstGeom prst="rect">
@@ -2329,7 +2368,7 @@
                   <a:srgbClr val="0000FF"/>
                 </a:solidFill>
               </a:rPr>
-              <a:t>https://encrypted-tbn0.gstatic.com/images?q=tbn:ANd9GcRBh9MD4mrBwyjZS1NVZJremFWjagQZs7jORk22qaLxuOSOQq9sX3zc8gqnLQ&amp;s</a:t>
+              <a:t>https://encrypted-tbn0.gstatic.com/images?q=tbn:ANd9GcQ7Aoa0F5BLW9qrqtf3WSJvZK1L_FN6o3xT-hHqqJGRCfgQy8IC7w0OfhA54Q&amp;s</a:t>
             </a:r>
             <a:endParaRPr lang="en-IN" dirty="0">
               <a:solidFill>
@@ -2388,6 +2427,153 @@
           </a:p>
           <a:p>
             <a:endParaRPr lang="en-IN" dirty="0">
+              <a:solidFill>
+                <a:schemeClr val="bg1"/>
+              </a:solidFill>
+            </a:endParaRPr>
+          </a:p>
+        </p:txBody>
+      </p:sp>
+      <p:sp>
+        <p:nvSpPr>
+          <p:cNvPr id="5" name="Text 6">
+            <a:extLst>
+              <a:ext uri="{FF2B5EF4-FFF2-40B4-BE49-F238E27FC236}">
+                <a16:creationId xmlns:a16="http://schemas.microsoft.com/office/drawing/2014/main" id="{779B5A35-41A8-FDA9-0D8B-3A8EC5D41BB7}"/>
+              </a:ext>
+            </a:extLst>
+          </p:cNvPr>
+          <p:cNvSpPr/>
+          <p:nvPr/>
+        </p:nvSpPr>
+        <p:spPr>
+          <a:xfrm>
+            <a:off x="1365528" y="2362661"/>
+            <a:ext cx="4088598" cy="471965"/>
+          </a:xfrm>
+          <a:prstGeom prst="rect">
+            <a:avLst/>
+          </a:prstGeom>
+          <a:noFill/>
+          <a:ln/>
+        </p:spPr>
+        <p:txBody>
+          <a:bodyPr wrap="square" rtlCol="0" anchor="t"/>
+          <a:lstStyle/>
+          <a:p>
+            <a:pPr marL="0" indent="0" algn="l">
+              <a:lnSpc>
+                <a:spcPts val="2829"/>
+              </a:lnSpc>
+              <a:buNone/>
+            </a:pPr>
+            <a:r>
+              <a:rPr sz="2500">
+                <a:solidFill>
+                  <a:srgbClr val="FFFFFF"/>
+                </a:solidFill>
+              </a:rPr>
+              <a:t>Plan Options</a:t>
+            </a:r>
+            <a:endParaRPr lang="en-US" sz="1768" dirty="0">
+              <a:solidFill>
+                <a:schemeClr val="bg1"/>
+              </a:solidFill>
+            </a:endParaRPr>
+          </a:p>
+        </p:txBody>
+      </p:sp>
+      <p:sp>
+        <p:nvSpPr>
+          <p:cNvPr id="20" name="Text 10">
+            <a:extLst>
+              <a:ext uri="{FF2B5EF4-FFF2-40B4-BE49-F238E27FC236}">
+                <a16:creationId xmlns:a16="http://schemas.microsoft.com/office/drawing/2014/main" id="{F4D08EBD-2904-3BF5-4A2E-9F368E388457}"/>
+              </a:ext>
+            </a:extLst>
+          </p:cNvPr>
+          <p:cNvSpPr/>
+          <p:nvPr/>
+        </p:nvSpPr>
+        <p:spPr>
+          <a:xfrm>
+            <a:off x="1365529" y="5270651"/>
+            <a:ext cx="4088598" cy="455450"/>
+          </a:xfrm>
+          <a:prstGeom prst="rect">
+            <a:avLst/>
+          </a:prstGeom>
+          <a:noFill/>
+          <a:ln/>
+        </p:spPr>
+        <p:txBody>
+          <a:bodyPr wrap="square" rtlCol="0" anchor="t"/>
+          <a:lstStyle/>
+          <a:p>
+            <a:pPr marL="0" indent="0" algn="l">
+              <a:lnSpc>
+                <a:spcPts val="2829"/>
+              </a:lnSpc>
+              <a:buNone/>
+            </a:pPr>
+            <a:r>
+              <a:rPr sz="2500">
+                <a:solidFill>
+                  <a:srgbClr val="FFFFFF"/>
+                </a:solidFill>
+              </a:rPr>
+              <a:t>Plan Coverage</a:t>
+            </a:r>
+            <a:endParaRPr lang="en-US" sz="1768" dirty="0">
+              <a:solidFill>
+                <a:schemeClr val="bg1"/>
+              </a:solidFill>
+            </a:endParaRPr>
+          </a:p>
+        </p:txBody>
+      </p:sp>
+      <p:sp>
+        <p:nvSpPr>
+          <p:cNvPr id="21" name="Text 10">
+            <a:extLst>
+              <a:ext uri="{FF2B5EF4-FFF2-40B4-BE49-F238E27FC236}">
+                <a16:creationId xmlns:a16="http://schemas.microsoft.com/office/drawing/2014/main" id="{461A87A7-48B8-CF25-68A3-EDEFD6448F8D}"/>
+              </a:ext>
+            </a:extLst>
+          </p:cNvPr>
+          <p:cNvSpPr/>
+          <p:nvPr/>
+        </p:nvSpPr>
+        <p:spPr>
+          <a:xfrm>
+            <a:off x="10606346" y="3768618"/>
+            <a:ext cx="3641913" cy="402272"/>
+          </a:xfrm>
+          <a:prstGeom prst="rect">
+            <a:avLst/>
+          </a:prstGeom>
+          <a:noFill/>
+          <a:ln/>
+        </p:spPr>
+        <p:txBody>
+          <a:bodyPr wrap="square" rtlCol="0" anchor="t"/>
+          <a:lstStyle/>
+          <a:p>
+            <a:pPr marL="0" indent="0" algn="l">
+              <a:lnSpc>
+                <a:spcPts val="2829"/>
+              </a:lnSpc>
+              <a:buNone/>
+            </a:pPr>
+            <a:r>
+              <a:rPr sz="2500">
+                <a:solidFill>
+                  <a:srgbClr val="FFFFFF"/>
+                </a:solidFill>
+              </a:rPr>
+              <a:t>Sum Insured</a:t>
+            </a:r>
+            <a:endParaRPr lang="en-US" sz="1768" dirty="0">
               <a:solidFill>
                 <a:schemeClr val="bg1"/>
               </a:solidFill>

--- a/updated_presentation.pptx
+++ b/updated_presentation.pptx
@@ -938,7 +938,7 @@
                   <a:srgbClr val="FFFFFF"/>
                 </a:solidFill>
               </a:rPr>
-              <a:t>This presentation is on Bajaj Allianz Health Guard</a:t>
+              <a:t>Health Guard Policy provides comprehensive</a:t>
             </a:r>
             <a:r>
               <a:rPr sz="1600">
@@ -946,7 +946,7 @@
                   <a:srgbClr val="FFFFFF"/>
                 </a:solidFill>
               </a:rPr>
-              <a:t>Policy, a comprehensive health insurance plan that</a:t>
+              <a:t>coverage for hospitalization expenses due to</a:t>
             </a:r>
             <a:r>
               <a:rPr sz="1600">
@@ -954,39 +954,7 @@
                   <a:srgbClr val="FFFFFF"/>
                 </a:solidFill>
               </a:rPr>
-              <a:t>offers coverage for hospitalization expenses</a:t>
-            </a:r>
-            <a:r>
-              <a:rPr sz="1600">
-                <a:solidFill>
-                  <a:srgbClr val="FFFFFF"/>
-                </a:solidFill>
-              </a:rPr>
-              <a:t>incurred due to illness or accident. It is</a:t>
-            </a:r>
-            <a:r>
-              <a:rPr sz="1600">
-                <a:solidFill>
-                  <a:srgbClr val="FFFFFF"/>
-                </a:solidFill>
-              </a:rPr>
-              <a:t>designed to cater to your health care needs and</a:t>
-            </a:r>
-            <a:r>
-              <a:rPr sz="1600">
-                <a:solidFill>
-                  <a:srgbClr val="FFFFFF"/>
-                </a:solidFill>
-              </a:rPr>
-              <a:t>provide financial security during medical</a:t>
-            </a:r>
-            <a:r>
-              <a:rPr sz="1600">
-                <a:solidFill>
-                  <a:srgbClr val="FFFFFF"/>
-                </a:solidFill>
-              </a:rPr>
-              <a:t>emergencies.</a:t>
+              <a:t>illness or accidents.</a:t>
             </a:r>
             <a:endParaRPr kumimoji="0" lang="en-US" altLang="en-US" i="0" u="none" strike="noStrike" cap="none" normalizeH="0" baseline="0" dirty="0">
               <a:ln>
@@ -1066,7 +1034,7 @@
                   <a:srgbClr val="FFFFFF"/>
                 </a:solidFill>
               </a:rPr>
-              <a:t>Bajaj Allianz Health Guard</a:t>
+              <a:t>Health Guard Policy: Your Protection</a:t>
             </a:r>
             <a:endParaRPr lang="en-IN" dirty="0">
               <a:solidFill>
@@ -1111,7 +1079,7 @@
                   <a:srgbClr val="FFFFFF"/>
                 </a:solidFill>
               </a:rPr>
-              <a:t>Health Insurance</a:t>
+              <a:t>Bajaj Allianz Health Guard</a:t>
             </a:r>
           </a:p>
         </p:txBody>
@@ -1224,7 +1192,7 @@
                   <a:srgbClr val="FFFFFF"/>
                 </a:solidFill>
               </a:rPr>
-              <a:t>Overview</a:t>
+              <a:t>Comprehensive Coverage</a:t>
             </a:r>
           </a:p>
         </p:txBody>
@@ -1262,7 +1230,7 @@
                   <a:srgbClr val="FFFFFF"/>
                 </a:solidFill>
               </a:rPr>
-              <a:t>Bajaj Allianz Health Guard Policy provides</a:t>
+              <a:t>Bajaj Allianz's Health Guard addresses medical</a:t>
             </a:r>
             <a:r>
               <a:rPr sz="1600">
@@ -1270,7 +1238,7 @@
                   <a:srgbClr val="FFFFFF"/>
                 </a:solidFill>
               </a:rPr>
-              <a:t>comprehensive coverage for hospitalization</a:t>
+              <a:t>treatment costs during hospitalization caused by</a:t>
             </a:r>
             <a:r>
               <a:rPr sz="1600">
@@ -1278,7 +1246,7 @@
                   <a:srgbClr val="FFFFFF"/>
                 </a:solidFill>
               </a:rPr>
-              <a:t>expenses arising from illness or accidental</a:t>
+              <a:t>severe illness or accidents, offering</a:t>
             </a:r>
             <a:r>
               <a:rPr sz="1600">
@@ -1286,63 +1254,7 @@
                   <a:srgbClr val="FFFFFF"/>
                 </a:solidFill>
               </a:rPr>
-              <a:t>injuries. It offers various plans and sum insured</a:t>
-            </a:r>
-            <a:r>
-              <a:rPr sz="1600">
-                <a:solidFill>
-                  <a:srgbClr val="FFFFFF"/>
-                </a:solidFill>
-              </a:rPr>
-              <a:t>options to suit your individual needs and budget.</a:t>
-            </a:r>
-            <a:r>
-              <a:rPr sz="1600">
-                <a:solidFill>
-                  <a:srgbClr val="FFFFFF"/>
-                </a:solidFill>
-              </a:rPr>
-              <a:t>The policy includes benefits such as in-patient</a:t>
-            </a:r>
-            <a:r>
-              <a:rPr sz="1600">
-                <a:solidFill>
-                  <a:srgbClr val="FFFFFF"/>
-                </a:solidFill>
-              </a:rPr>
-              <a:t>hospitalization, pre and post hospitalization,</a:t>
-            </a:r>
-            <a:r>
-              <a:rPr sz="1600">
-                <a:solidFill>
-                  <a:srgbClr val="FFFFFF"/>
-                </a:solidFill>
-              </a:rPr>
-              <a:t>road ambulance, organ donor expenses, and more. It</a:t>
-            </a:r>
-            <a:r>
-              <a:rPr sz="1600">
-                <a:solidFill>
-                  <a:srgbClr val="FFFFFF"/>
-                </a:solidFill>
-              </a:rPr>
-              <a:t>also provides coverage for maternity expenses,</a:t>
-            </a:r>
-            <a:r>
-              <a:rPr sz="1600">
-                <a:solidFill>
-                  <a:srgbClr val="FFFFFF"/>
-                </a:solidFill>
-              </a:rPr>
-              <a:t>bariatric surgery, AYUSH treatment, and preventive</a:t>
-            </a:r>
-            <a:r>
-              <a:rPr sz="1600">
-                <a:solidFill>
-                  <a:srgbClr val="FFFFFF"/>
-                </a:solidFill>
-              </a:rPr>
-              <a:t>health checkups.</a:t>
+              <a:t>comprehensive benefits at affordable prices.</a:t>
             </a:r>
           </a:p>
           <a:p>
@@ -1420,7 +1332,7 @@
                   <a:srgbClr val="0000FF"/>
                 </a:solidFill>
               </a:rPr>
-              <a:t>https://encrypted-tbn0.gstatic.com/images?q=tbn:ANd9GcTIzRPleIh5fz3_buUHVIqL-28PDH5r9_XoMOv0D8D51EDeRvPi_ruK7x1dxE8&amp;s</a:t>
+              <a:t>https://encrypted-tbn0.gstatic.com/images?q=tbn:ANd9GcQ041YfTXNr5CiQ60UwVUJX9Kv0oQhk2r6aa3bkFtJziOfmGOM0sZbD8KzO22U&amp;s</a:t>
             </a:r>
             <a:endParaRPr lang="en-IN" dirty="0">
               <a:solidFill>
@@ -1504,7 +1416,7 @@
                   <a:srgbClr val="FFFFFF"/>
                 </a:solidFill>
               </a:rPr>
-              <a:t>The policy also offers optional covers like air</a:t>
+              <a:t>Protect yourself financially during unexpected</a:t>
             </a:r>
             <a:r>
               <a:rPr sz="1600">
@@ -1512,7 +1424,7 @@
                   <a:srgbClr val="FFFFFF"/>
                 </a:solidFill>
               </a:rPr>
-              <a:t>ambulance and voluntary aggregate deductible for</a:t>
+              <a:t>health events with the Bajaj Allianz Health Guard</a:t>
             </a:r>
             <a:r>
               <a:rPr sz="1600">
@@ -1520,7 +1432,7 @@
                   <a:srgbClr val="FFFFFF"/>
                 </a:solidFill>
               </a:rPr>
-              <a:t>additional protection. The premium rates vary</a:t>
+              <a:t>Policy. This policy ensures peace of mind and</a:t>
             </a:r>
             <a:r>
               <a:rPr sz="1600">
@@ -1528,15 +1440,7 @@
                   <a:srgbClr val="FFFFFF"/>
                 </a:solidFill>
               </a:rPr>
-              <a:t>based on factors like age, sum insured, and</a:t>
-            </a:r>
-            <a:r>
-              <a:rPr sz="1600">
-                <a:solidFill>
-                  <a:srgbClr val="FFFFFF"/>
-                </a:solidFill>
-              </a:rPr>
-              <a:t>coverage zone.</a:t>
+              <a:t>covers the costs of treatment.</a:t>
             </a:r>
           </a:p>
         </p:txBody>
@@ -1580,7 +1484,7 @@
                   <a:srgbClr val="FFFFFF"/>
                 </a:solidFill>
               </a:rPr>
-              <a:t>To purchase the policy, you need to fill a</a:t>
+              <a:t>The policy offers flexible plans and sum insured</a:t>
             </a:r>
             <a:r>
               <a:rPr sz="1600">
@@ -1588,47 +1492,7 @@
                   <a:srgbClr val="FFFFFF"/>
                 </a:solidFill>
               </a:rPr>
-              <a:t>proposal form, undergo a medical examination (if</a:t>
-            </a:r>
-            <a:r>
-              <a:rPr sz="1600">
-                <a:solidFill>
-                  <a:srgbClr val="FFFFFF"/>
-                </a:solidFill>
-              </a:rPr>
-              <a:t>required), and pay the premium. The policy</a:t>
-            </a:r>
-            <a:r>
-              <a:rPr sz="1600">
-                <a:solidFill>
-                  <a:srgbClr val="FFFFFF"/>
-                </a:solidFill>
-              </a:rPr>
-              <a:t>provides a free look period and portability</a:t>
-            </a:r>
-            <a:r>
-              <a:rPr sz="1600">
-                <a:solidFill>
-                  <a:srgbClr val="FFFFFF"/>
-                </a:solidFill>
-              </a:rPr>
-              <a:t>options. In case of a claim, you need to submit</a:t>
-            </a:r>
-            <a:r>
-              <a:rPr sz="1600">
-                <a:solidFill>
-                  <a:srgbClr val="FFFFFF"/>
-                </a:solidFill>
-              </a:rPr>
-              <a:t>the necessary documents to the company for</a:t>
-            </a:r>
-            <a:r>
-              <a:rPr sz="1600">
-                <a:solidFill>
-                  <a:srgbClr val="FFFFFF"/>
-                </a:solidFill>
-              </a:rPr>
-              <a:t>processing.</a:t>
+              <a:t>options to meet your individual needs.</a:t>
             </a:r>
           </a:p>
         </p:txBody>
@@ -1672,7 +1536,7 @@
                   <a:srgbClr val="FFFFFF"/>
                 </a:solidFill>
               </a:rPr>
-              <a:t>Key Features</a:t>
+              <a:t>Financial Security</a:t>
             </a:r>
             <a:endParaRPr lang="en-US" sz="1944" dirty="0">
               <a:solidFill>
@@ -1721,7 +1585,7 @@
                   <a:srgbClr val="FFFFFF"/>
                 </a:solidFill>
               </a:rPr>
-              <a:t>Policy Purchase</a:t>
+              <a:t>Plan &amp; Sum Insured</a:t>
             </a:r>
             <a:endParaRPr lang="en-US" sz="1944" dirty="0">
               <a:solidFill>
@@ -1770,7 +1634,7 @@
                   <a:srgbClr val="FFFFFF"/>
                 </a:solidFill>
               </a:rPr>
-              <a:t>Benefits</a:t>
+              <a:t>Key Benefits</a:t>
             </a:r>
             <a:endParaRPr lang="en-US" sz="1944" dirty="0">
               <a:solidFill>
@@ -1888,7 +1752,7 @@
                   <a:srgbClr val="FFFFFF"/>
                 </a:solidFill>
               </a:rPr>
-              <a:t>Plans</a:t>
+              <a:t>Plan Options</a:t>
             </a:r>
           </a:p>
         </p:txBody>
@@ -2003,7 +1867,7 @@
                   <a:srgbClr val="FFFFFF"/>
                 </a:solidFill>
               </a:rPr>
-              <a:t>The Health Guard Policy offers three plans:</a:t>
+              <a:t>The Health Guard policy offers three plans:</a:t>
             </a:r>
             <a:r>
               <a:rPr sz="1600">
@@ -2011,7 +1875,7 @@
                   <a:srgbClr val="FFFFFF"/>
                 </a:solidFill>
               </a:rPr>
-              <a:t>Silver, Gold, and Platinum. Each plan has</a:t>
+              <a:t>Silver, Gold, and Platinum, catering to different</a:t>
             </a:r>
             <a:r>
               <a:rPr sz="1600">
@@ -2019,7 +1883,7 @@
                   <a:srgbClr val="FFFFFF"/>
                 </a:solidFill>
               </a:rPr>
-              <a:t>different coverage options and sum insured limits.</a:t>
+              <a:t>coverage needs.</a:t>
             </a:r>
           </a:p>
         </p:txBody>
@@ -2134,7 +1998,7 @@
                   <a:srgbClr val="FFFFFF"/>
                 </a:solidFill>
               </a:rPr>
-              <a:t>The Silver Plan provides basic coverage for in-</a:t>
+              <a:t>The Gold and Platinum plans offer maternity</a:t>
             </a:r>
             <a:r>
               <a:rPr sz="1600">
@@ -2142,7 +2006,7 @@
                   <a:srgbClr val="FFFFFF"/>
                 </a:solidFill>
               </a:rPr>
-              <a:t>patient hospitalization, road ambulance, and other</a:t>
+              <a:t>benefits, including coverage for normal and</a:t>
             </a:r>
             <a:r>
               <a:rPr sz="1600">
@@ -2150,7 +2014,7 @@
                   <a:srgbClr val="FFFFFF"/>
                 </a:solidFill>
               </a:rPr>
-              <a:t>essential benefits. The Gold Plan offers enhanced</a:t>
+              <a:t>caesarean deliveries. They also include a new-born</a:t>
             </a:r>
             <a:r>
               <a:rPr sz="1600">
@@ -2158,39 +2022,7 @@
                   <a:srgbClr val="FFFFFF"/>
                 </a:solidFill>
               </a:rPr>
-              <a:t>coverage for maternity expenses, bariatric</a:t>
-            </a:r>
-            <a:r>
-              <a:rPr sz="1600">
-                <a:solidFill>
-                  <a:srgbClr val="FFFFFF"/>
-                </a:solidFill>
-              </a:rPr>
-              <a:t>surgery, and preventive health checkups. The</a:t>
-            </a:r>
-            <a:r>
-              <a:rPr sz="1600">
-                <a:solidFill>
-                  <a:srgbClr val="FFFFFF"/>
-                </a:solidFill>
-              </a:rPr>
-              <a:t>Platinum Plan provides comprehensive coverage with</a:t>
-            </a:r>
-            <a:r>
-              <a:rPr sz="1600">
-                <a:solidFill>
-                  <a:srgbClr val="FFFFFF"/>
-                </a:solidFill>
-              </a:rPr>
-              <a:t>additional benefits such as super cumulative</a:t>
-            </a:r>
-            <a:r>
-              <a:rPr sz="1600">
-                <a:solidFill>
-                  <a:srgbClr val="FFFFFF"/>
-                </a:solidFill>
-              </a:rPr>
-              <a:t>bonus, recharge benefit, and air ambulance.</a:t>
+              <a:t>baby cover.</a:t>
             </a:r>
           </a:p>
         </p:txBody>
@@ -2305,7 +2137,7 @@
                   <a:srgbClr val="FFFFFF"/>
                 </a:solidFill>
               </a:rPr>
-              <a:t>The sum insured options vary for each plan,</a:t>
+              <a:t>The Platinum plan provides additional benefits</a:t>
             </a:r>
             <a:r>
               <a:rPr sz="1600">
@@ -2313,7 +2145,7 @@
                   <a:srgbClr val="FFFFFF"/>
                 </a:solidFill>
               </a:rPr>
-              <a:t>ranging from Rs. 1.5 Lacs to Rs. 1 Crore. You can</a:t>
+              <a:t>such as super cumulative bonus, recharge benefit,</a:t>
             </a:r>
             <a:r>
               <a:rPr sz="1600">
@@ -2321,15 +2153,7 @@
                   <a:srgbClr val="FFFFFF"/>
                 </a:solidFill>
               </a:rPr>
-              <a:t>choose the plan and sum insured that best suits</a:t>
-            </a:r>
-            <a:r>
-              <a:rPr sz="1600">
-                <a:solidFill>
-                  <a:srgbClr val="FFFFFF"/>
-                </a:solidFill>
-              </a:rPr>
-              <a:t>your needs and financial capacity.</a:t>
+              <a:t>and wellness discounts.</a:t>
             </a:r>
           </a:p>
         </p:txBody>
@@ -2368,7 +2192,7 @@
                   <a:srgbClr val="0000FF"/>
                 </a:solidFill>
               </a:rPr>
-              <a:t>https://encrypted-tbn0.gstatic.com/images?q=tbn:ANd9GcQ7Aoa0F5BLW9qrqtf3WSJvZK1L_FN6o3xT-hHqqJGRCfgQy8IC7w0OfhA54Q&amp;s</a:t>
+              <a:t>https://encrypted-tbn0.gstatic.com/images?q=tbn:ANd9GcTRIeQDKDvz4coDFYtrTcAauTL34sn9KZFryddii9otfmY-bPLHdagsUQq90Q&amp;s</a:t>
             </a:r>
             <a:endParaRPr lang="en-IN" dirty="0">
               <a:solidFill>
@@ -2473,7 +2297,7 @@
                   <a:srgbClr val="FFFFFF"/>
                 </a:solidFill>
               </a:rPr>
-              <a:t>Plan Options</a:t>
+              <a:t>Plan Comparison</a:t>
             </a:r>
             <a:endParaRPr lang="en-US" sz="1768" dirty="0">
               <a:solidFill>
@@ -2522,7 +2346,7 @@
                   <a:srgbClr val="FFFFFF"/>
                 </a:solidFill>
               </a:rPr>
-              <a:t>Plan Coverage</a:t>
+              <a:t>Gold &amp; Platinum Plans</a:t>
             </a:r>
             <a:endParaRPr lang="en-US" sz="1768" dirty="0">
               <a:solidFill>
@@ -2571,7 +2395,7 @@
                   <a:srgbClr val="FFFFFF"/>
                 </a:solidFill>
               </a:rPr>
-              <a:t>Sum Insured</a:t>
+              <a:t>Platinum Plan Benefits</a:t>
             </a:r>
             <a:endParaRPr lang="en-US" sz="1768" dirty="0">
               <a:solidFill>
